--- a/Async Await Promises and Callbacks in JavaScript.pptx
+++ b/Async Await Promises and Callbacks in JavaScript.pptx
@@ -5,10 +5,10 @@
     <p:sldMasterId id="2147483648" r:id="rId1"/>
   </p:sldMasterIdLst>
   <p:notesMasterIdLst>
-    <p:notesMasterId r:id="rId15"/>
+    <p:notesMasterId r:id="rId19"/>
   </p:notesMasterIdLst>
   <p:handoutMasterIdLst>
-    <p:handoutMasterId r:id="rId16"/>
+    <p:handoutMasterId r:id="rId20"/>
   </p:handoutMasterIdLst>
   <p:sldIdLst>
     <p:sldId id="256" r:id="rId2"/>
@@ -18,12 +18,16 @@
     <p:sldId id="276" r:id="rId6"/>
     <p:sldId id="269" r:id="rId7"/>
     <p:sldId id="270" r:id="rId8"/>
-    <p:sldId id="271" r:id="rId9"/>
-    <p:sldId id="277" r:id="rId10"/>
-    <p:sldId id="272" r:id="rId11"/>
-    <p:sldId id="273" r:id="rId12"/>
-    <p:sldId id="274" r:id="rId13"/>
-    <p:sldId id="275" r:id="rId14"/>
+    <p:sldId id="281" r:id="rId9"/>
+    <p:sldId id="271" r:id="rId10"/>
+    <p:sldId id="277" r:id="rId11"/>
+    <p:sldId id="272" r:id="rId12"/>
+    <p:sldId id="273" r:id="rId13"/>
+    <p:sldId id="274" r:id="rId14"/>
+    <p:sldId id="279" r:id="rId15"/>
+    <p:sldId id="278" r:id="rId16"/>
+    <p:sldId id="275" r:id="rId17"/>
+    <p:sldId id="280" r:id="rId18"/>
   </p:sldIdLst>
   <p:sldSz cx="12192000" cy="6858000"/>
   <p:notesSz cx="6858000" cy="9144000"/>
@@ -134,12 +138,16 @@
             <p14:sldId id="276"/>
             <p14:sldId id="269"/>
             <p14:sldId id="270"/>
+            <p14:sldId id="281"/>
             <p14:sldId id="271"/>
             <p14:sldId id="277"/>
             <p14:sldId id="272"/>
             <p14:sldId id="273"/>
             <p14:sldId id="274"/>
+            <p14:sldId id="279"/>
+            <p14:sldId id="278"/>
             <p14:sldId id="275"/>
+            <p14:sldId id="280"/>
           </p14:sldIdLst>
         </p14:section>
       </p14:sectionLst>
@@ -3828,33 +3836,10 @@
       </p:grpSpPr>
       <p:sp>
         <p:nvSpPr>
-          <p:cNvPr id="2" name="Title 1"/>
-          <p:cNvSpPr>
-            <a:spLocks noGrp="1"/>
-          </p:cNvSpPr>
-          <p:nvPr>
-            <p:ph type="title"/>
-          </p:nvPr>
-        </p:nvSpPr>
-        <p:spPr/>
-        <p:txBody>
-          <a:bodyPr/>
-          <a:lstStyle/>
-          <a:p>
-            <a:r>
-              <a:rPr lang="en-US" dirty="0"/>
-              <a:t>Time for a quick JS moment</a:t>
-            </a:r>
-            <a:endParaRPr dirty="0"/>
-          </a:p>
-        </p:txBody>
-      </p:sp>
-      <p:sp>
-        <p:nvSpPr>
-          <p:cNvPr id="5" name="Content Placeholder 4">
+          <p:cNvPr id="2" name="Title 1">
             <a:extLst>
               <a:ext uri="{FF2B5EF4-FFF2-40B4-BE49-F238E27FC236}">
-                <a16:creationId xmlns:a16="http://schemas.microsoft.com/office/drawing/2014/main" id="{552B2E72-0E94-4703-BF53-ADABEC52034C}"/>
+                <a16:creationId xmlns:a16="http://schemas.microsoft.com/office/drawing/2014/main" id="{0DF73580-B369-4FA7-B7F5-FA09B505D9CF}"/>
               </a:ext>
             </a:extLst>
           </p:cNvPr>
@@ -3862,54 +3847,351 @@
             <a:spLocks noGrp="1"/>
           </p:cNvSpPr>
           <p:nvPr>
-            <p:ph idx="1"/>
+            <p:ph type="title"/>
           </p:nvPr>
         </p:nvSpPr>
         <p:spPr/>
         <p:txBody>
+          <a:bodyPr/>
+          <a:lstStyle/>
+          <a:p>
+            <a:r>
+              <a:rPr lang="en-US" dirty="0"/>
+              <a:t>Consuming a promise</a:t>
+            </a:r>
+            <a:endParaRPr lang="en-IN" dirty="0"/>
+          </a:p>
+        </p:txBody>
+      </p:sp>
+      <p:sp>
+        <p:nvSpPr>
+          <p:cNvPr id="4" name="Content Placeholder 3">
+            <a:extLst>
+              <a:ext uri="{FF2B5EF4-FFF2-40B4-BE49-F238E27FC236}">
+                <a16:creationId xmlns:a16="http://schemas.microsoft.com/office/drawing/2014/main" id="{8364F9B0-DB9E-4AAE-AC13-45DFBEA8B4DC}"/>
+              </a:ext>
+            </a:extLst>
+          </p:cNvPr>
+          <p:cNvSpPr>
+            <a:spLocks noGrp="1"/>
+          </p:cNvSpPr>
+          <p:nvPr>
+            <p:ph sz="half" idx="1"/>
+          </p:nvPr>
+        </p:nvSpPr>
+        <p:spPr/>
+        <p:txBody>
           <a:bodyPr>
-            <a:normAutofit/>
+            <a:noAutofit/>
           </a:bodyPr>
           <a:lstStyle/>
           <a:p>
             <a:r>
               <a:rPr lang="en-US" dirty="0"/>
-              <a:t>How will you write a simple sleep function using promises and </a:t>
-            </a:r>
-            <a:r>
-              <a:rPr lang="en-US" dirty="0" err="1"/>
-              <a:t>setTimeout</a:t>
+              <a:t>The </a:t>
+            </a:r>
+            <a:r>
+              <a:rPr lang="en-US" dirty="0">
+                <a:solidFill>
+                  <a:srgbClr val="92D050"/>
+                </a:solidFill>
+              </a:rPr>
+              <a:t>.then() </a:t>
             </a:r>
             <a:r>
               <a:rPr lang="en-US" dirty="0"/>
-              <a:t>()?</a:t>
-            </a:r>
-          </a:p>
-          <a:p>
-            <a:endParaRPr lang="en-US" dirty="0"/>
-          </a:p>
-          <a:p>
+              <a:t>keeps track of successful promises and the </a:t>
+            </a:r>
+            <a:r>
+              <a:rPr lang="en-US" dirty="0">
+                <a:solidFill>
+                  <a:srgbClr val="92D050"/>
+                </a:solidFill>
+              </a:rPr>
+              <a:t>.catch() </a:t>
+            </a:r>
             <a:r>
               <a:rPr lang="en-US" dirty="0"/>
-              <a:t>One possible solution-</a:t>
-            </a:r>
-          </a:p>
+              <a:t>methods track rejected ones</a:t>
+            </a:r>
+            <a:r>
+              <a:rPr lang="en-IN" dirty="0"/>
+              <a:t>- analogous to </a:t>
+            </a:r>
+            <a:r>
+              <a:rPr lang="en-IN" dirty="0">
+                <a:solidFill>
+                  <a:schemeClr val="accent5">
+                    <a:lumMod val="60000"/>
+                    <a:lumOff val="40000"/>
+                  </a:schemeClr>
+                </a:solidFill>
+              </a:rPr>
+              <a:t>try</a:t>
+            </a:r>
+            <a:r>
+              <a:rPr lang="en-IN" dirty="0"/>
+              <a:t> and </a:t>
+            </a:r>
+            <a:r>
+              <a:rPr lang="en-IN" dirty="0">
+                <a:solidFill>
+                  <a:schemeClr val="accent5">
+                    <a:lumMod val="60000"/>
+                    <a:lumOff val="40000"/>
+                  </a:schemeClr>
+                </a:solidFill>
+              </a:rPr>
+              <a:t>catch </a:t>
+            </a:r>
+            <a:r>
+              <a:rPr lang="en-IN" dirty="0"/>
+              <a:t>from the sync version</a:t>
+            </a:r>
+          </a:p>
+          <a:p>
+            <a:r>
+              <a:rPr lang="en-US" dirty="0"/>
+              <a:t>We can even have an array of promises executed using </a:t>
+            </a:r>
+            <a:r>
+              <a:rPr lang="en-US" dirty="0" err="1">
+                <a:solidFill>
+                  <a:srgbClr val="92D050"/>
+                </a:solidFill>
+              </a:rPr>
+              <a:t>Promises.all</a:t>
+            </a:r>
+            <a:r>
+              <a:rPr lang="en-US" dirty="0">
+                <a:solidFill>
+                  <a:srgbClr val="92D050"/>
+                </a:solidFill>
+              </a:rPr>
+              <a:t>() </a:t>
+            </a:r>
+            <a:br>
+              <a:rPr lang="en-US" dirty="0"/>
+            </a:br>
+            <a:r>
+              <a:rPr lang="en-US" dirty="0"/>
+              <a:t>(</a:t>
+            </a:r>
+            <a:r>
+              <a:rPr lang="en-US" b="0" i="0" dirty="0">
+                <a:effectLst/>
+                <a:latin typeface="Open Sans" panose="020B0606030504020204" pitchFamily="34" charset="0"/>
+              </a:rPr>
+              <a:t>execute something when they are all resolved.</a:t>
+            </a:r>
+            <a:r>
+              <a:rPr lang="en-US" dirty="0"/>
+              <a:t>)</a:t>
+            </a:r>
+          </a:p>
+          <a:p>
+            <a:r>
+              <a:rPr lang="en-US" dirty="0"/>
+              <a:t>Battery API, Fetch API, Service Workers are modern web API which use promises</a:t>
+            </a:r>
+          </a:p>
+        </p:txBody>
+      </p:sp>
+      <p:sp>
+        <p:nvSpPr>
+          <p:cNvPr id="5" name="Content Placeholder 4">
+            <a:extLst>
+              <a:ext uri="{FF2B5EF4-FFF2-40B4-BE49-F238E27FC236}">
+                <a16:creationId xmlns:a16="http://schemas.microsoft.com/office/drawing/2014/main" id="{C059A3F2-02A5-42E1-BDB3-A53B926A3704}"/>
+              </a:ext>
+            </a:extLst>
+          </p:cNvPr>
+          <p:cNvSpPr>
+            <a:spLocks noGrp="1"/>
+          </p:cNvSpPr>
+          <p:nvPr>
+            <p:ph sz="half" idx="2"/>
+          </p:nvPr>
+        </p:nvSpPr>
+        <p:spPr/>
+        <p:txBody>
+          <a:bodyPr>
+            <a:normAutofit fontScale="92500" lnSpcReduction="20000"/>
+          </a:bodyPr>
+          <a:lstStyle/>
           <a:p>
             <a:pPr marL="0" indent="0">
               <a:buNone/>
             </a:pPr>
             <a:r>
-              <a:rPr lang="en-US" b="0" dirty="0">
+              <a:rPr lang="en-IN" b="0" dirty="0" err="1">
+                <a:solidFill>
+                  <a:srgbClr val="49E0FD"/>
+                </a:solidFill>
+                <a:effectLst/>
+                <a:latin typeface="Consolas" panose="020B0609020204030204" pitchFamily="49" charset="0"/>
+              </a:rPr>
+              <a:t>const</a:t>
+            </a:r>
+            <a:r>
+              <a:rPr lang="en-IN" b="0" dirty="0">
+                <a:solidFill>
+                  <a:srgbClr val="CCCCCC"/>
+                </a:solidFill>
+                <a:effectLst/>
+                <a:latin typeface="Consolas" panose="020B0609020204030204" pitchFamily="49" charset="0"/>
+              </a:rPr>
+              <a:t> </a:t>
+            </a:r>
+            <a:r>
+              <a:rPr lang="en-IN" b="0" dirty="0" err="1">
+                <a:solidFill>
+                  <a:srgbClr val="CCCCCC"/>
+                </a:solidFill>
+                <a:effectLst/>
+                <a:latin typeface="Consolas" panose="020B0609020204030204" pitchFamily="49" charset="0"/>
+              </a:rPr>
+              <a:t>isItDoneYet</a:t>
+            </a:r>
+            <a:r>
+              <a:rPr lang="en-IN" b="0" dirty="0">
+                <a:solidFill>
+                  <a:srgbClr val="CCCCCC"/>
+                </a:solidFill>
+                <a:effectLst/>
+                <a:latin typeface="Consolas" panose="020B0609020204030204" pitchFamily="49" charset="0"/>
+              </a:rPr>
+              <a:t> </a:t>
+            </a:r>
+            <a:r>
+              <a:rPr lang="en-IN" b="0" dirty="0">
+                <a:solidFill>
+                  <a:srgbClr val="F92672"/>
+                </a:solidFill>
+                <a:effectLst/>
+                <a:latin typeface="Consolas" panose="020B0609020204030204" pitchFamily="49" charset="0"/>
+              </a:rPr>
+              <a:t>=</a:t>
+            </a:r>
+            <a:r>
+              <a:rPr lang="en-IN" b="0" dirty="0">
+                <a:solidFill>
+                  <a:srgbClr val="CCCCCC"/>
+                </a:solidFill>
+                <a:effectLst/>
+                <a:latin typeface="Consolas" panose="020B0609020204030204" pitchFamily="49" charset="0"/>
+              </a:rPr>
+              <a:t> </a:t>
+            </a:r>
+            <a:r>
+              <a:rPr lang="en-IN" b="0" dirty="0">
+                <a:solidFill>
+                  <a:srgbClr val="F92672"/>
+                </a:solidFill>
+                <a:effectLst/>
+                <a:latin typeface="Consolas" panose="020B0609020204030204" pitchFamily="49" charset="0"/>
+              </a:rPr>
+              <a:t>new</a:t>
+            </a:r>
+            <a:r>
+              <a:rPr lang="en-IN" b="0" dirty="0">
+                <a:solidFill>
+                  <a:srgbClr val="CCCCCC"/>
+                </a:solidFill>
+                <a:effectLst/>
+                <a:latin typeface="Consolas" panose="020B0609020204030204" pitchFamily="49" charset="0"/>
+              </a:rPr>
+              <a:t> </a:t>
+            </a:r>
+            <a:r>
+              <a:rPr lang="en-IN" b="0" dirty="0">
                 <a:solidFill>
                   <a:srgbClr val="2BE98A"/>
                 </a:solidFill>
                 <a:effectLst/>
                 <a:latin typeface="Consolas" panose="020B0609020204030204" pitchFamily="49" charset="0"/>
               </a:rPr>
-              <a:t>function</a:t>
-            </a:r>
-            <a:r>
-              <a:rPr lang="en-US" b="0" dirty="0">
+              <a:t>Promise</a:t>
+            </a:r>
+            <a:r>
+              <a:rPr lang="en-IN" b="0" dirty="0">
+                <a:solidFill>
+                  <a:srgbClr val="CCCCCC"/>
+                </a:solidFill>
+                <a:effectLst/>
+                <a:latin typeface="Consolas" panose="020B0609020204030204" pitchFamily="49" charset="0"/>
+              </a:rPr>
+              <a:t>(</a:t>
+            </a:r>
+            <a:r>
+              <a:rPr lang="en-IN" b="0" dirty="0">
+                <a:solidFill>
+                  <a:srgbClr val="696D70"/>
+                </a:solidFill>
+                <a:effectLst/>
+                <a:latin typeface="Consolas" panose="020B0609020204030204" pitchFamily="49" charset="0"/>
+              </a:rPr>
+              <a:t>/* ... </a:t>
+            </a:r>
+            <a:r>
+              <a:rPr lang="en-IN" dirty="0" err="1">
+                <a:solidFill>
+                  <a:srgbClr val="696D70"/>
+                </a:solidFill>
+                <a:latin typeface="Consolas" panose="020B0609020204030204" pitchFamily="49" charset="0"/>
+              </a:rPr>
+              <a:t>Prev</a:t>
+            </a:r>
+            <a:r>
+              <a:rPr lang="en-IN" dirty="0">
+                <a:solidFill>
+                  <a:srgbClr val="696D70"/>
+                </a:solidFill>
+                <a:latin typeface="Consolas" panose="020B0609020204030204" pitchFamily="49" charset="0"/>
+              </a:rPr>
+              <a:t> slide</a:t>
+            </a:r>
+            <a:r>
+              <a:rPr lang="en-IN" b="0" dirty="0">
+                <a:solidFill>
+                  <a:srgbClr val="696D70"/>
+                </a:solidFill>
+                <a:effectLst/>
+                <a:latin typeface="Consolas" panose="020B0609020204030204" pitchFamily="49" charset="0"/>
+              </a:rPr>
+              <a:t> ... */</a:t>
+            </a:r>
+            <a:r>
+              <a:rPr lang="en-IN" b="0" dirty="0">
+                <a:solidFill>
+                  <a:srgbClr val="CCCCCC"/>
+                </a:solidFill>
+                <a:effectLst/>
+                <a:latin typeface="Consolas" panose="020B0609020204030204" pitchFamily="49" charset="0"/>
+              </a:rPr>
+              <a:t>)</a:t>
+            </a:r>
+            <a:br>
+              <a:rPr lang="en-IN" b="0" dirty="0">
+                <a:solidFill>
+                  <a:srgbClr val="CCCCCC"/>
+                </a:solidFill>
+                <a:effectLst/>
+                <a:latin typeface="Consolas" panose="020B0609020204030204" pitchFamily="49" charset="0"/>
+              </a:rPr>
+            </a:br>
+            <a:r>
+              <a:rPr lang="en-IN" b="0" dirty="0" err="1">
+                <a:solidFill>
+                  <a:srgbClr val="49E0FD"/>
+                </a:solidFill>
+                <a:effectLst/>
+                <a:latin typeface="Consolas" panose="020B0609020204030204" pitchFamily="49" charset="0"/>
+              </a:rPr>
+              <a:t>const</a:t>
+            </a:r>
+            <a:r>
+              <a:rPr lang="en-IN" b="0" dirty="0">
                 <a:solidFill>
                   <a:srgbClr val="CCCCCC"/>
                 </a:solidFill>
@@ -3919,44 +4201,64 @@
               <a:t> </a:t>
             </a:r>
             <a:r>
-              <a:rPr lang="en-US" b="0" dirty="0">
+              <a:rPr lang="en-IN" b="0" dirty="0" err="1">
                 <a:solidFill>
                   <a:srgbClr val="B0EC38"/>
                 </a:solidFill>
                 <a:effectLst/>
                 <a:latin typeface="Consolas" panose="020B0609020204030204" pitchFamily="49" charset="0"/>
               </a:rPr>
-              <a:t>sleep</a:t>
-            </a:r>
-            <a:r>
-              <a:rPr lang="en-US" b="0" dirty="0">
-                <a:solidFill>
-                  <a:srgbClr val="CCCCCC"/>
-                </a:solidFill>
-                <a:effectLst/>
-                <a:latin typeface="Consolas" panose="020B0609020204030204" pitchFamily="49" charset="0"/>
-              </a:rPr>
-              <a:t>(</a:t>
-            </a:r>
-            <a:r>
-              <a:rPr lang="en-US" b="0" dirty="0" err="1">
-                <a:solidFill>
-                  <a:srgbClr val="CCCCCC"/>
-                </a:solidFill>
-                <a:effectLst/>
-                <a:latin typeface="Consolas" panose="020B0609020204030204" pitchFamily="49" charset="0"/>
-              </a:rPr>
-              <a:t>ms</a:t>
-            </a:r>
-            <a:r>
-              <a:rPr lang="en-US" b="0" dirty="0">
-                <a:solidFill>
-                  <a:srgbClr val="CCCCCC"/>
-                </a:solidFill>
-                <a:effectLst/>
-                <a:latin typeface="Consolas" panose="020B0609020204030204" pitchFamily="49" charset="0"/>
-              </a:rPr>
-              <a:t>) {</a:t>
+              <a:t>checkIfItsDone</a:t>
+            </a:r>
+            <a:r>
+              <a:rPr lang="en-IN" b="0" dirty="0">
+                <a:solidFill>
+                  <a:srgbClr val="CCCCCC"/>
+                </a:solidFill>
+                <a:effectLst/>
+                <a:latin typeface="Consolas" panose="020B0609020204030204" pitchFamily="49" charset="0"/>
+              </a:rPr>
+              <a:t> </a:t>
+            </a:r>
+            <a:r>
+              <a:rPr lang="en-IN" b="0" dirty="0">
+                <a:solidFill>
+                  <a:srgbClr val="F92672"/>
+                </a:solidFill>
+                <a:effectLst/>
+                <a:latin typeface="Consolas" panose="020B0609020204030204" pitchFamily="49" charset="0"/>
+              </a:rPr>
+              <a:t>=</a:t>
+            </a:r>
+            <a:r>
+              <a:rPr lang="en-IN" b="0" dirty="0">
+                <a:solidFill>
+                  <a:srgbClr val="CCCCCC"/>
+                </a:solidFill>
+                <a:effectLst/>
+                <a:latin typeface="Consolas" panose="020B0609020204030204" pitchFamily="49" charset="0"/>
+              </a:rPr>
+              <a:t> () </a:t>
+            </a:r>
+            <a:r>
+              <a:rPr lang="en-IN" b="0" dirty="0">
+                <a:solidFill>
+                  <a:srgbClr val="F92672"/>
+                </a:solidFill>
+                <a:effectLst/>
+                <a:latin typeface="Consolas" panose="020B0609020204030204" pitchFamily="49" charset="0"/>
+              </a:rPr>
+              <a:t>=&gt;</a:t>
+            </a:r>
+            <a:r>
+              <a:rPr lang="en-IN" b="0" dirty="0">
+                <a:solidFill>
+                  <a:srgbClr val="CCCCCC"/>
+                </a:solidFill>
+                <a:effectLst/>
+                <a:latin typeface="Consolas" panose="020B0609020204030204" pitchFamily="49" charset="0"/>
+              </a:rPr>
+              <a:t> {</a:t>
             </a:r>
           </a:p>
           <a:p>
@@ -3964,7 +4266,7 @@
               <a:buNone/>
             </a:pPr>
             <a:r>
-              <a:rPr lang="en-US" b="0" dirty="0">
+              <a:rPr lang="en-IN" b="0" dirty="0">
                 <a:solidFill>
                   <a:srgbClr val="CCCCCC"/>
                 </a:solidFill>
@@ -3974,77 +4276,204 @@
               <a:t>    </a:t>
             </a:r>
             <a:r>
-              <a:rPr lang="en-US" b="0" dirty="0">
+              <a:rPr lang="en-IN" b="0" dirty="0" err="1">
+                <a:solidFill>
+                  <a:srgbClr val="CCCCCC"/>
+                </a:solidFill>
+                <a:effectLst/>
+                <a:latin typeface="Consolas" panose="020B0609020204030204" pitchFamily="49" charset="0"/>
+              </a:rPr>
+              <a:t>isItDoneYet</a:t>
+            </a:r>
+            <a:endParaRPr lang="en-IN" b="0" dirty="0">
+              <a:solidFill>
+                <a:srgbClr val="CCCCCC"/>
+              </a:solidFill>
+              <a:effectLst/>
+              <a:latin typeface="Consolas" panose="020B0609020204030204" pitchFamily="49" charset="0"/>
+            </a:endParaRPr>
+          </a:p>
+          <a:p>
+            <a:pPr marL="0" indent="0">
+              <a:buNone/>
+            </a:pPr>
+            <a:r>
+              <a:rPr lang="en-IN" b="0" dirty="0">
+                <a:solidFill>
+                  <a:srgbClr val="CCCCCC"/>
+                </a:solidFill>
+                <a:effectLst/>
+                <a:latin typeface="Consolas" panose="020B0609020204030204" pitchFamily="49" charset="0"/>
+              </a:rPr>
+              <a:t>    </a:t>
+            </a:r>
+            <a:r>
+              <a:rPr lang="en-IN" b="0" dirty="0">
                 <a:solidFill>
                   <a:srgbClr val="F92672"/>
                 </a:solidFill>
                 <a:effectLst/>
                 <a:latin typeface="Consolas" panose="020B0609020204030204" pitchFamily="49" charset="0"/>
               </a:rPr>
-              <a:t>return</a:t>
-            </a:r>
-            <a:r>
-              <a:rPr lang="en-US" b="0" dirty="0">
-                <a:solidFill>
-                  <a:srgbClr val="CCCCCC"/>
-                </a:solidFill>
-                <a:effectLst/>
-                <a:latin typeface="Consolas" panose="020B0609020204030204" pitchFamily="49" charset="0"/>
-              </a:rPr>
-              <a:t> </a:t>
-            </a:r>
-            <a:r>
-              <a:rPr lang="en-US" b="0" dirty="0">
+              <a:t>.</a:t>
+            </a:r>
+            <a:r>
+              <a:rPr lang="en-IN" b="0" dirty="0">
+                <a:solidFill>
+                  <a:srgbClr val="B0EC38"/>
+                </a:solidFill>
+                <a:effectLst/>
+                <a:latin typeface="Consolas" panose="020B0609020204030204" pitchFamily="49" charset="0"/>
+              </a:rPr>
+              <a:t>then</a:t>
+            </a:r>
+            <a:r>
+              <a:rPr lang="en-IN" b="0" dirty="0">
+                <a:solidFill>
+                  <a:srgbClr val="CCCCCC"/>
+                </a:solidFill>
+                <a:effectLst/>
+                <a:latin typeface="Consolas" panose="020B0609020204030204" pitchFamily="49" charset="0"/>
+              </a:rPr>
+              <a:t>(ok </a:t>
+            </a:r>
+            <a:r>
+              <a:rPr lang="en-IN" b="0" dirty="0">
                 <a:solidFill>
                   <a:srgbClr val="F92672"/>
                 </a:solidFill>
                 <a:effectLst/>
                 <a:latin typeface="Consolas" panose="020B0609020204030204" pitchFamily="49" charset="0"/>
               </a:rPr>
-              <a:t>new</a:t>
-            </a:r>
-            <a:r>
-              <a:rPr lang="en-US" b="0" dirty="0">
-                <a:solidFill>
-                  <a:srgbClr val="CCCCCC"/>
-                </a:solidFill>
-                <a:effectLst/>
-                <a:latin typeface="Consolas" panose="020B0609020204030204" pitchFamily="49" charset="0"/>
-              </a:rPr>
-              <a:t> </a:t>
-            </a:r>
-            <a:r>
-              <a:rPr lang="en-US" b="0" dirty="0">
-                <a:solidFill>
-                  <a:srgbClr val="2BE98A"/>
-                </a:solidFill>
-                <a:effectLst/>
-                <a:latin typeface="Consolas" panose="020B0609020204030204" pitchFamily="49" charset="0"/>
-              </a:rPr>
-              <a:t>Promise</a:t>
-            </a:r>
-            <a:r>
-              <a:rPr lang="en-US" b="0" dirty="0">
-                <a:solidFill>
-                  <a:srgbClr val="CCCCCC"/>
-                </a:solidFill>
-                <a:effectLst/>
-                <a:latin typeface="Consolas" panose="020B0609020204030204" pitchFamily="49" charset="0"/>
-              </a:rPr>
-              <a:t>(res </a:t>
-            </a:r>
-            <a:r>
-              <a:rPr lang="en-US" b="0" dirty="0">
+              <a:t>=&gt;</a:t>
+            </a:r>
+            <a:r>
+              <a:rPr lang="en-IN" b="0" dirty="0">
+                <a:solidFill>
+                  <a:srgbClr val="CCCCCC"/>
+                </a:solidFill>
+                <a:effectLst/>
+                <a:latin typeface="Consolas" panose="020B0609020204030204" pitchFamily="49" charset="0"/>
+              </a:rPr>
+              <a:t> {</a:t>
+            </a:r>
+          </a:p>
+          <a:p>
+            <a:pPr marL="0" indent="0">
+              <a:buNone/>
+            </a:pPr>
+            <a:r>
+              <a:rPr lang="en-IN" b="0" dirty="0">
+                <a:solidFill>
+                  <a:srgbClr val="CCCCCC"/>
+                </a:solidFill>
+                <a:effectLst/>
+                <a:latin typeface="Consolas" panose="020B0609020204030204" pitchFamily="49" charset="0"/>
+              </a:rPr>
+              <a:t>      console</a:t>
+            </a:r>
+            <a:r>
+              <a:rPr lang="en-IN" b="0" dirty="0">
                 <a:solidFill>
                   <a:srgbClr val="F92672"/>
                 </a:solidFill>
                 <a:effectLst/>
                 <a:latin typeface="Consolas" panose="020B0609020204030204" pitchFamily="49" charset="0"/>
               </a:rPr>
+              <a:t>.</a:t>
+            </a:r>
+            <a:r>
+              <a:rPr lang="en-IN" b="0" dirty="0">
+                <a:solidFill>
+                  <a:srgbClr val="B0EC38"/>
+                </a:solidFill>
+                <a:effectLst/>
+                <a:latin typeface="Consolas" panose="020B0609020204030204" pitchFamily="49" charset="0"/>
+              </a:rPr>
+              <a:t>log</a:t>
+            </a:r>
+            <a:r>
+              <a:rPr lang="en-IN" b="0" dirty="0">
+                <a:solidFill>
+                  <a:srgbClr val="CCCCCC"/>
+                </a:solidFill>
+                <a:effectLst/>
+                <a:latin typeface="Consolas" panose="020B0609020204030204" pitchFamily="49" charset="0"/>
+              </a:rPr>
+              <a:t>(ok)</a:t>
+            </a:r>
+          </a:p>
+          <a:p>
+            <a:pPr marL="0" indent="0">
+              <a:buNone/>
+            </a:pPr>
+            <a:r>
+              <a:rPr lang="en-IN" b="0" dirty="0">
+                <a:solidFill>
+                  <a:srgbClr val="CCCCCC"/>
+                </a:solidFill>
+                <a:effectLst/>
+                <a:latin typeface="Consolas" panose="020B0609020204030204" pitchFamily="49" charset="0"/>
+              </a:rPr>
+              <a:t>    })</a:t>
+            </a:r>
+          </a:p>
+          <a:p>
+            <a:pPr marL="0" indent="0">
+              <a:buNone/>
+            </a:pPr>
+            <a:r>
+              <a:rPr lang="en-IN" b="0" dirty="0">
+                <a:solidFill>
+                  <a:srgbClr val="CCCCCC"/>
+                </a:solidFill>
+                <a:effectLst/>
+                <a:latin typeface="Consolas" panose="020B0609020204030204" pitchFamily="49" charset="0"/>
+              </a:rPr>
+              <a:t>    </a:t>
+            </a:r>
+            <a:r>
+              <a:rPr lang="en-IN" b="0" dirty="0">
+                <a:solidFill>
+                  <a:srgbClr val="F92672"/>
+                </a:solidFill>
+                <a:effectLst/>
+                <a:latin typeface="Consolas" panose="020B0609020204030204" pitchFamily="49" charset="0"/>
+              </a:rPr>
+              <a:t>.</a:t>
+            </a:r>
+            <a:r>
+              <a:rPr lang="en-IN" b="0" dirty="0">
+                <a:solidFill>
+                  <a:srgbClr val="B0EC38"/>
+                </a:solidFill>
+                <a:effectLst/>
+                <a:latin typeface="Consolas" panose="020B0609020204030204" pitchFamily="49" charset="0"/>
+              </a:rPr>
+              <a:t>catch</a:t>
+            </a:r>
+            <a:r>
+              <a:rPr lang="en-IN" b="0" dirty="0">
+                <a:solidFill>
+                  <a:srgbClr val="CCCCCC"/>
+                </a:solidFill>
+                <a:effectLst/>
+                <a:latin typeface="Consolas" panose="020B0609020204030204" pitchFamily="49" charset="0"/>
+              </a:rPr>
+              <a:t>(err </a:t>
+            </a:r>
+            <a:r>
+              <a:rPr lang="en-IN" b="0" dirty="0">
+                <a:solidFill>
+                  <a:srgbClr val="F92672"/>
+                </a:solidFill>
+                <a:effectLst/>
+                <a:latin typeface="Consolas" panose="020B0609020204030204" pitchFamily="49" charset="0"/>
+              </a:rPr>
               <a:t>=&gt;</a:t>
             </a:r>
             <a:r>
-              <a:rPr lang="en-US" b="0" dirty="0">
+              <a:rPr lang="en-IN" b="0" dirty="0">
                 <a:solidFill>
                   <a:srgbClr val="CCCCCC"/>
                 </a:solidFill>
@@ -4059,74 +4488,54 @@
               <a:buNone/>
             </a:pPr>
             <a:r>
-              <a:rPr lang="en-US" b="0" dirty="0">
-                <a:solidFill>
-                  <a:srgbClr val="CCCCCC"/>
-                </a:solidFill>
-                <a:effectLst/>
-                <a:latin typeface="Consolas" panose="020B0609020204030204" pitchFamily="49" charset="0"/>
-              </a:rPr>
-              <a:t>        </a:t>
-            </a:r>
-            <a:r>
-              <a:rPr lang="en-US" b="0" dirty="0" err="1">
+              <a:rPr lang="en-IN" b="0" dirty="0">
+                <a:solidFill>
+                  <a:srgbClr val="CCCCCC"/>
+                </a:solidFill>
+                <a:effectLst/>
+                <a:latin typeface="Consolas" panose="020B0609020204030204" pitchFamily="49" charset="0"/>
+              </a:rPr>
+              <a:t>      </a:t>
+            </a:r>
+            <a:r>
+              <a:rPr lang="en-IN" b="0" dirty="0" err="1">
+                <a:solidFill>
+                  <a:srgbClr val="CCCCCC"/>
+                </a:solidFill>
+                <a:effectLst/>
+                <a:latin typeface="Consolas" panose="020B0609020204030204" pitchFamily="49" charset="0"/>
+              </a:rPr>
+              <a:t>console</a:t>
+            </a:r>
+            <a:r>
+              <a:rPr lang="en-IN" b="0" dirty="0" err="1">
+                <a:solidFill>
+                  <a:srgbClr val="F92672"/>
+                </a:solidFill>
+                <a:effectLst/>
+                <a:latin typeface="Consolas" panose="020B0609020204030204" pitchFamily="49" charset="0"/>
+              </a:rPr>
+              <a:t>.</a:t>
+            </a:r>
+            <a:r>
+              <a:rPr lang="en-IN" b="0" dirty="0" err="1">
                 <a:solidFill>
                   <a:srgbClr val="B0EC38"/>
                 </a:solidFill>
                 <a:effectLst/>
                 <a:latin typeface="Consolas" panose="020B0609020204030204" pitchFamily="49" charset="0"/>
               </a:rPr>
-              <a:t>setTimeout</a:t>
-            </a:r>
-            <a:r>
-              <a:rPr lang="en-US" b="0" dirty="0">
-                <a:solidFill>
-                  <a:srgbClr val="CCCCCC"/>
-                </a:solidFill>
-                <a:effectLst/>
-                <a:latin typeface="Consolas" panose="020B0609020204030204" pitchFamily="49" charset="0"/>
-              </a:rPr>
-              <a:t>(res</a:t>
-            </a:r>
-            <a:r>
-              <a:rPr lang="en-US" b="0" dirty="0">
-                <a:solidFill>
-                  <a:srgbClr val="F92672"/>
-                </a:solidFill>
-                <a:effectLst/>
-                <a:latin typeface="Consolas" panose="020B0609020204030204" pitchFamily="49" charset="0"/>
-              </a:rPr>
-              <a:t>,</a:t>
-            </a:r>
-            <a:r>
-              <a:rPr lang="en-US" b="0" dirty="0">
-                <a:solidFill>
-                  <a:srgbClr val="CCCCCC"/>
-                </a:solidFill>
-                <a:effectLst/>
-                <a:latin typeface="Consolas" panose="020B0609020204030204" pitchFamily="49" charset="0"/>
-              </a:rPr>
-              <a:t> </a:t>
-            </a:r>
-            <a:r>
-              <a:rPr lang="en-US" b="0" dirty="0" err="1">
-                <a:solidFill>
-                  <a:srgbClr val="CCCCCC"/>
-                </a:solidFill>
-                <a:effectLst/>
-                <a:latin typeface="Consolas" panose="020B0609020204030204" pitchFamily="49" charset="0"/>
-              </a:rPr>
-              <a:t>ms</a:t>
-            </a:r>
-            <a:r>
-              <a:rPr lang="en-US" b="0" dirty="0">
-                <a:solidFill>
-                  <a:srgbClr val="CCCCCC"/>
-                </a:solidFill>
-                <a:effectLst/>
-                <a:latin typeface="Consolas" panose="020B0609020204030204" pitchFamily="49" charset="0"/>
-              </a:rPr>
-              <a:t>);</a:t>
+              <a:t>error</a:t>
+            </a:r>
+            <a:r>
+              <a:rPr lang="en-IN" b="0" dirty="0">
+                <a:solidFill>
+                  <a:srgbClr val="CCCCCC"/>
+                </a:solidFill>
+                <a:effectLst/>
+                <a:latin typeface="Consolas" panose="020B0609020204030204" pitchFamily="49" charset="0"/>
+              </a:rPr>
+              <a:t>(err)</a:t>
             </a:r>
           </a:p>
           <a:p>
@@ -4134,14 +4543,14 @@
               <a:buNone/>
             </a:pPr>
             <a:r>
-              <a:rPr lang="en-US" b="0" dirty="0">
-                <a:solidFill>
-                  <a:srgbClr val="CCCCCC"/>
-                </a:solidFill>
-                <a:effectLst/>
-                <a:latin typeface="Consolas" panose="020B0609020204030204" pitchFamily="49" charset="0"/>
-              </a:rPr>
-              <a:t>    });</a:t>
+              <a:rPr lang="en-IN" b="0" dirty="0">
+                <a:solidFill>
+                  <a:srgbClr val="CCCCCC"/>
+                </a:solidFill>
+                <a:effectLst/>
+                <a:latin typeface="Consolas" panose="020B0609020204030204" pitchFamily="49" charset="0"/>
+              </a:rPr>
+              <a:t>    })</a:t>
             </a:r>
           </a:p>
           <a:p>
@@ -4149,7 +4558,7 @@
               <a:buNone/>
             </a:pPr>
             <a:r>
-              <a:rPr lang="en-US" b="0" dirty="0">
+              <a:rPr lang="en-IN" b="0" dirty="0">
                 <a:solidFill>
                   <a:srgbClr val="CCCCCC"/>
                 </a:solidFill>
@@ -4160,9 +4569,6 @@
             </a:r>
           </a:p>
           <a:p>
-            <a:pPr marL="0" indent="0">
-              <a:buNone/>
-            </a:pPr>
             <a:endParaRPr lang="en-IN" dirty="0"/>
           </a:p>
         </p:txBody>
@@ -4170,7 +4576,7 @@
     </p:spTree>
     <p:extLst>
       <p:ext uri="{BB962C8B-B14F-4D97-AF65-F5344CB8AC3E}">
-        <p14:creationId xmlns:p14="http://schemas.microsoft.com/office/powerpoint/2010/main" val="215988672"/>
+        <p14:creationId xmlns:p14="http://schemas.microsoft.com/office/powerpoint/2010/main" val="830762367"/>
       </p:ext>
     </p:extLst>
   </p:cSld>
@@ -4199,10 +4605,33 @@
       </p:grpSpPr>
       <p:sp>
         <p:nvSpPr>
-          <p:cNvPr id="2" name="Title 1">
+          <p:cNvPr id="2" name="Title 1"/>
+          <p:cNvSpPr>
+            <a:spLocks noGrp="1"/>
+          </p:cNvSpPr>
+          <p:nvPr>
+            <p:ph type="title"/>
+          </p:nvPr>
+        </p:nvSpPr>
+        <p:spPr/>
+        <p:txBody>
+          <a:bodyPr/>
+          <a:lstStyle/>
+          <a:p>
+            <a:r>
+              <a:rPr lang="en-US" dirty="0"/>
+              <a:t>Time for a quick JS moment</a:t>
+            </a:r>
+            <a:endParaRPr dirty="0"/>
+          </a:p>
+        </p:txBody>
+      </p:sp>
+      <p:sp>
+        <p:nvSpPr>
+          <p:cNvPr id="5" name="Content Placeholder 4">
             <a:extLst>
               <a:ext uri="{FF2B5EF4-FFF2-40B4-BE49-F238E27FC236}">
-                <a16:creationId xmlns:a16="http://schemas.microsoft.com/office/drawing/2014/main" id="{86F55CCA-76AB-41FE-AFF8-920AF79A89C8}"/>
+                <a16:creationId xmlns:a16="http://schemas.microsoft.com/office/drawing/2014/main" id="{552B2E72-0E94-4703-BF53-ADABEC52034C}"/>
               </a:ext>
             </a:extLst>
           </p:cNvPr>
@@ -4210,124 +4639,307 @@
             <a:spLocks noGrp="1"/>
           </p:cNvSpPr>
           <p:nvPr>
-            <p:ph type="title"/>
+            <p:ph idx="1"/>
           </p:nvPr>
         </p:nvSpPr>
         <p:spPr/>
         <p:txBody>
-          <a:bodyPr/>
+          <a:bodyPr>
+            <a:normAutofit/>
+          </a:bodyPr>
           <a:lstStyle/>
           <a:p>
             <a:r>
               <a:rPr lang="en-US" dirty="0"/>
-              <a:t>Promises- A summary</a:t>
-            </a:r>
-            <a:endParaRPr lang="en-IN" dirty="0"/>
-          </a:p>
-        </p:txBody>
-      </p:sp>
-      <p:pic>
-        <p:nvPicPr>
-          <p:cNvPr id="5" name="Content Placeholder 4">
-            <a:extLst>
-              <a:ext uri="{FF2B5EF4-FFF2-40B4-BE49-F238E27FC236}">
-                <a16:creationId xmlns:a16="http://schemas.microsoft.com/office/drawing/2014/main" id="{E56347FA-1BF0-45A0-B010-84D5EACAE634}"/>
-              </a:ext>
-            </a:extLst>
-          </p:cNvPr>
-          <p:cNvPicPr>
-            <a:picLocks noGrp="1" noChangeAspect="1"/>
-          </p:cNvPicPr>
-          <p:nvPr>
-            <p:ph sz="half" idx="1"/>
-          </p:nvPr>
-        </p:nvPicPr>
-        <p:blipFill>
-          <a:blip r:embed="rId2">
-            <a:extLst>
-              <a:ext uri="{28A0092B-C50C-407E-A947-70E740481C1C}">
-                <a14:useLocalDpi xmlns:a14="http://schemas.microsoft.com/office/drawing/2010/main" val="0"/>
-              </a:ext>
-            </a:extLst>
-          </a:blip>
-          <a:stretch>
-            <a:fillRect/>
-          </a:stretch>
-        </p:blipFill>
-        <p:spPr>
-          <a:xfrm>
-            <a:off x="2043112" y="2627312"/>
-            <a:ext cx="3305175" cy="2667000"/>
-          </a:xfrm>
-        </p:spPr>
-      </p:pic>
-      <p:sp>
-        <p:nvSpPr>
-          <p:cNvPr id="6" name="Content Placeholder 5">
-            <a:extLst>
-              <a:ext uri="{FF2B5EF4-FFF2-40B4-BE49-F238E27FC236}">
-                <a16:creationId xmlns:a16="http://schemas.microsoft.com/office/drawing/2014/main" id="{297E10FB-44B4-4749-9227-5B11FB485256}"/>
-              </a:ext>
-            </a:extLst>
-          </p:cNvPr>
-          <p:cNvSpPr>
-            <a:spLocks noGrp="1"/>
-          </p:cNvSpPr>
-          <p:nvPr>
-            <p:ph sz="half" idx="2"/>
-          </p:nvPr>
-        </p:nvSpPr>
-        <p:spPr/>
-        <p:txBody>
-          <a:bodyPr/>
-          <a:lstStyle/>
-          <a:p>
+              <a:t>How will you write a simple sleep function using promises and </a:t>
+            </a:r>
+            <a:r>
+              <a:rPr lang="en-US" dirty="0" err="1"/>
+              <a:t>setTimeout</a:t>
+            </a:r>
             <a:r>
               <a:rPr lang="en-US" dirty="0"/>
-              <a:t>Has four states (fulfilled, rejected, pending, settled)</a:t>
-            </a:r>
+              <a:t>()?</a:t>
+            </a:r>
+          </a:p>
+          <a:p>
+            <a:endParaRPr lang="en-US" dirty="0"/>
           </a:p>
           <a:p>
             <a:r>
               <a:rPr lang="en-US" dirty="0"/>
-              <a:t>Events added with </a:t>
-            </a:r>
-            <a:r>
-              <a:rPr lang="en-US" dirty="0">
-                <a:solidFill>
-                  <a:srgbClr val="92D050"/>
-                </a:solidFill>
-              </a:rPr>
-              <a:t>.then() </a:t>
-            </a:r>
-            <a:r>
-              <a:rPr lang="en-US" dirty="0"/>
-              <a:t>will never be invoked before the completion of the current run of the JavaScript event loop</a:t>
-            </a:r>
-          </a:p>
-          <a:p>
-            <a:r>
-              <a:rPr lang="en-US" dirty="0"/>
-              <a:t>Multiple callbacks may be added by calling </a:t>
-            </a:r>
-            <a:r>
-              <a:rPr lang="en-US" dirty="0">
-                <a:solidFill>
-                  <a:srgbClr val="92D050"/>
-                </a:solidFill>
-              </a:rPr>
-              <a:t>.then()</a:t>
-            </a:r>
-            <a:r>
-              <a:rPr lang="en-US" dirty="0"/>
-              <a:t> several times. They will be invoked one after another, in the order in which they were inserted</a:t>
-            </a:r>
-          </a:p>
-          <a:p>
-            <a:r>
-              <a:rPr lang="en-US" dirty="0"/>
-              <a:t>Code readability improves</a:t>
-            </a:r>
+              <a:t>One possible solution-</a:t>
+            </a:r>
+          </a:p>
+          <a:p>
+            <a:pPr marL="0" indent="0">
+              <a:buNone/>
+            </a:pPr>
+            <a:r>
+              <a:rPr lang="en-US" b="0" dirty="0">
+                <a:solidFill>
+                  <a:srgbClr val="2BE98A"/>
+                </a:solidFill>
+                <a:effectLst/>
+                <a:latin typeface="Consolas" panose="020B0609020204030204" pitchFamily="49" charset="0"/>
+              </a:rPr>
+              <a:t>function</a:t>
+            </a:r>
+            <a:r>
+              <a:rPr lang="en-US" b="0" dirty="0">
+                <a:solidFill>
+                  <a:srgbClr val="CCCCCC"/>
+                </a:solidFill>
+                <a:effectLst/>
+                <a:latin typeface="Consolas" panose="020B0609020204030204" pitchFamily="49" charset="0"/>
+              </a:rPr>
+              <a:t> </a:t>
+            </a:r>
+            <a:r>
+              <a:rPr lang="en-US" b="0" dirty="0">
+                <a:solidFill>
+                  <a:srgbClr val="B0EC38"/>
+                </a:solidFill>
+                <a:effectLst/>
+                <a:latin typeface="Consolas" panose="020B0609020204030204" pitchFamily="49" charset="0"/>
+              </a:rPr>
+              <a:t>sleep</a:t>
+            </a:r>
+            <a:r>
+              <a:rPr lang="en-US" b="0" dirty="0">
+                <a:solidFill>
+                  <a:srgbClr val="CCCCCC"/>
+                </a:solidFill>
+                <a:effectLst/>
+                <a:latin typeface="Consolas" panose="020B0609020204030204" pitchFamily="49" charset="0"/>
+              </a:rPr>
+              <a:t>(</a:t>
+            </a:r>
+            <a:r>
+              <a:rPr lang="en-US" b="0" dirty="0" err="1">
+                <a:solidFill>
+                  <a:srgbClr val="CCCCCC"/>
+                </a:solidFill>
+                <a:effectLst/>
+                <a:latin typeface="Consolas" panose="020B0609020204030204" pitchFamily="49" charset="0"/>
+              </a:rPr>
+              <a:t>ms</a:t>
+            </a:r>
+            <a:r>
+              <a:rPr lang="en-US" b="0" dirty="0">
+                <a:solidFill>
+                  <a:srgbClr val="CCCCCC"/>
+                </a:solidFill>
+                <a:effectLst/>
+                <a:latin typeface="Consolas" panose="020B0609020204030204" pitchFamily="49" charset="0"/>
+              </a:rPr>
+              <a:t>) {</a:t>
+            </a:r>
+          </a:p>
+          <a:p>
+            <a:pPr marL="0" indent="0">
+              <a:buNone/>
+            </a:pPr>
+            <a:r>
+              <a:rPr lang="en-US" b="0" dirty="0">
+                <a:solidFill>
+                  <a:srgbClr val="CCCCCC"/>
+                </a:solidFill>
+                <a:effectLst/>
+                <a:latin typeface="Consolas" panose="020B0609020204030204" pitchFamily="49" charset="0"/>
+              </a:rPr>
+              <a:t>    </a:t>
+            </a:r>
+            <a:r>
+              <a:rPr lang="en-US" b="0" dirty="0">
+                <a:solidFill>
+                  <a:srgbClr val="F92672"/>
+                </a:solidFill>
+                <a:effectLst/>
+                <a:latin typeface="Consolas" panose="020B0609020204030204" pitchFamily="49" charset="0"/>
+              </a:rPr>
+              <a:t>return</a:t>
+            </a:r>
+            <a:r>
+              <a:rPr lang="en-US" b="0" dirty="0">
+                <a:solidFill>
+                  <a:srgbClr val="CCCCCC"/>
+                </a:solidFill>
+                <a:effectLst/>
+                <a:latin typeface="Consolas" panose="020B0609020204030204" pitchFamily="49" charset="0"/>
+              </a:rPr>
+              <a:t> </a:t>
+            </a:r>
+            <a:r>
+              <a:rPr lang="en-US" b="0" dirty="0">
+                <a:solidFill>
+                  <a:srgbClr val="F92672"/>
+                </a:solidFill>
+                <a:effectLst/>
+                <a:latin typeface="Consolas" panose="020B0609020204030204" pitchFamily="49" charset="0"/>
+              </a:rPr>
+              <a:t>new</a:t>
+            </a:r>
+            <a:r>
+              <a:rPr lang="en-US" b="0" dirty="0">
+                <a:solidFill>
+                  <a:srgbClr val="CCCCCC"/>
+                </a:solidFill>
+                <a:effectLst/>
+                <a:latin typeface="Consolas" panose="020B0609020204030204" pitchFamily="49" charset="0"/>
+              </a:rPr>
+              <a:t> </a:t>
+            </a:r>
+            <a:r>
+              <a:rPr lang="en-US" b="0" dirty="0">
+                <a:solidFill>
+                  <a:srgbClr val="2BE98A"/>
+                </a:solidFill>
+                <a:effectLst/>
+                <a:latin typeface="Consolas" panose="020B0609020204030204" pitchFamily="49" charset="0"/>
+              </a:rPr>
+              <a:t>Promise</a:t>
+            </a:r>
+            <a:r>
+              <a:rPr lang="en-US" b="0" dirty="0">
+                <a:solidFill>
+                  <a:srgbClr val="CCCCCC"/>
+                </a:solidFill>
+                <a:effectLst/>
+                <a:latin typeface="Consolas" panose="020B0609020204030204" pitchFamily="49" charset="0"/>
+              </a:rPr>
+              <a:t>(res </a:t>
+            </a:r>
+            <a:r>
+              <a:rPr lang="en-US" b="0" dirty="0">
+                <a:solidFill>
+                  <a:srgbClr val="F92672"/>
+                </a:solidFill>
+                <a:effectLst/>
+                <a:latin typeface="Consolas" panose="020B0609020204030204" pitchFamily="49" charset="0"/>
+              </a:rPr>
+              <a:t>=&gt;</a:t>
+            </a:r>
+            <a:r>
+              <a:rPr lang="en-US" b="0" dirty="0">
+                <a:solidFill>
+                  <a:srgbClr val="CCCCCC"/>
+                </a:solidFill>
+                <a:effectLst/>
+                <a:latin typeface="Consolas" panose="020B0609020204030204" pitchFamily="49" charset="0"/>
+              </a:rPr>
+              <a:t> {</a:t>
+            </a:r>
+          </a:p>
+          <a:p>
+            <a:pPr marL="0" indent="0">
+              <a:buNone/>
+            </a:pPr>
+            <a:r>
+              <a:rPr lang="en-US" b="0" dirty="0">
+                <a:solidFill>
+                  <a:srgbClr val="CCCCCC"/>
+                </a:solidFill>
+                <a:effectLst/>
+                <a:latin typeface="Consolas" panose="020B0609020204030204" pitchFamily="49" charset="0"/>
+              </a:rPr>
+              <a:t>        </a:t>
+            </a:r>
+            <a:r>
+              <a:rPr lang="en-US" b="0" dirty="0" err="1">
+                <a:solidFill>
+                  <a:srgbClr val="B0EC38"/>
+                </a:solidFill>
+                <a:effectLst/>
+                <a:latin typeface="Consolas" panose="020B0609020204030204" pitchFamily="49" charset="0"/>
+              </a:rPr>
+              <a:t>setTimeout</a:t>
+            </a:r>
+            <a:r>
+              <a:rPr lang="en-US" b="0" dirty="0">
+                <a:solidFill>
+                  <a:srgbClr val="CCCCCC"/>
+                </a:solidFill>
+                <a:effectLst/>
+                <a:latin typeface="Consolas" panose="020B0609020204030204" pitchFamily="49" charset="0"/>
+              </a:rPr>
+              <a:t>(res</a:t>
+            </a:r>
+            <a:r>
+              <a:rPr lang="en-US" b="0" dirty="0">
+                <a:solidFill>
+                  <a:srgbClr val="F92672"/>
+                </a:solidFill>
+                <a:effectLst/>
+                <a:latin typeface="Consolas" panose="020B0609020204030204" pitchFamily="49" charset="0"/>
+              </a:rPr>
+              <a:t>,</a:t>
+            </a:r>
+            <a:r>
+              <a:rPr lang="en-US" b="0" dirty="0">
+                <a:solidFill>
+                  <a:srgbClr val="CCCCCC"/>
+                </a:solidFill>
+                <a:effectLst/>
+                <a:latin typeface="Consolas" panose="020B0609020204030204" pitchFamily="49" charset="0"/>
+              </a:rPr>
+              <a:t> </a:t>
+            </a:r>
+            <a:r>
+              <a:rPr lang="en-US" b="0" dirty="0" err="1">
+                <a:solidFill>
+                  <a:srgbClr val="CCCCCC"/>
+                </a:solidFill>
+                <a:effectLst/>
+                <a:latin typeface="Consolas" panose="020B0609020204030204" pitchFamily="49" charset="0"/>
+              </a:rPr>
+              <a:t>ms</a:t>
+            </a:r>
+            <a:r>
+              <a:rPr lang="en-US" b="0" dirty="0">
+                <a:solidFill>
+                  <a:srgbClr val="CCCCCC"/>
+                </a:solidFill>
+                <a:effectLst/>
+                <a:latin typeface="Consolas" panose="020B0609020204030204" pitchFamily="49" charset="0"/>
+              </a:rPr>
+              <a:t>);</a:t>
+            </a:r>
+          </a:p>
+          <a:p>
+            <a:pPr marL="0" indent="0">
+              <a:buNone/>
+            </a:pPr>
+            <a:r>
+              <a:rPr lang="en-US" b="0" dirty="0">
+                <a:solidFill>
+                  <a:srgbClr val="CCCCCC"/>
+                </a:solidFill>
+                <a:effectLst/>
+                <a:latin typeface="Consolas" panose="020B0609020204030204" pitchFamily="49" charset="0"/>
+              </a:rPr>
+              <a:t>    });</a:t>
+            </a:r>
+          </a:p>
+          <a:p>
+            <a:pPr marL="0" indent="0">
+              <a:buNone/>
+            </a:pPr>
+            <a:r>
+              <a:rPr lang="en-US" b="0" dirty="0">
+                <a:solidFill>
+                  <a:srgbClr val="CCCCCC"/>
+                </a:solidFill>
+                <a:effectLst/>
+                <a:latin typeface="Consolas" panose="020B0609020204030204" pitchFamily="49" charset="0"/>
+              </a:rPr>
+              <a:t>}</a:t>
+            </a:r>
+          </a:p>
+          <a:p>
+            <a:pPr marL="0" indent="0">
+              <a:buNone/>
+            </a:pPr>
             <a:endParaRPr lang="en-IN" dirty="0"/>
           </a:p>
         </p:txBody>
@@ -4335,7 +4947,7 @@
     </p:spTree>
     <p:extLst>
       <p:ext uri="{BB962C8B-B14F-4D97-AF65-F5344CB8AC3E}">
-        <p14:creationId xmlns:p14="http://schemas.microsoft.com/office/powerpoint/2010/main" val="3661180859"/>
+        <p14:creationId xmlns:p14="http://schemas.microsoft.com/office/powerpoint/2010/main" val="215988672"/>
       </p:ext>
     </p:extLst>
   </p:cSld>
@@ -4364,33 +4976,10 @@
       </p:grpSpPr>
       <p:sp>
         <p:nvSpPr>
-          <p:cNvPr id="2" name="Title 1"/>
-          <p:cNvSpPr>
-            <a:spLocks noGrp="1"/>
-          </p:cNvSpPr>
-          <p:nvPr>
-            <p:ph type="title"/>
-          </p:nvPr>
-        </p:nvSpPr>
-        <p:spPr/>
-        <p:txBody>
-          <a:bodyPr/>
-          <a:lstStyle/>
-          <a:p>
-            <a:r>
-              <a:rPr lang="en-US" dirty="0"/>
-              <a:t>One step ahead- Async and Await</a:t>
-            </a:r>
-            <a:endParaRPr dirty="0"/>
-          </a:p>
-        </p:txBody>
-      </p:sp>
-      <p:sp>
-        <p:nvSpPr>
-          <p:cNvPr id="5" name="Content Placeholder 4">
+          <p:cNvPr id="2" name="Title 1">
             <a:extLst>
               <a:ext uri="{FF2B5EF4-FFF2-40B4-BE49-F238E27FC236}">
-                <a16:creationId xmlns:a16="http://schemas.microsoft.com/office/drawing/2014/main" id="{977A9507-3E98-4426-8431-A4D6CA802700}"/>
+                <a16:creationId xmlns:a16="http://schemas.microsoft.com/office/drawing/2014/main" id="{86F55CCA-76AB-41FE-AFF8-920AF79A89C8}"/>
               </a:ext>
             </a:extLst>
           </p:cNvPr>
@@ -4398,7 +4987,7 @@
             <a:spLocks noGrp="1"/>
           </p:cNvSpPr>
           <p:nvPr>
-            <p:ph idx="1"/>
+            <p:ph type="title"/>
           </p:nvPr>
         </p:nvSpPr>
         <p:spPr/>
@@ -4406,14 +4995,124 @@
           <a:bodyPr/>
           <a:lstStyle/>
           <a:p>
-            <a:endParaRPr lang="en-IN"/>
+            <a:r>
+              <a:rPr lang="en-US" dirty="0"/>
+              <a:t>Promises- A summary</a:t>
+            </a:r>
+            <a:endParaRPr lang="en-IN" dirty="0"/>
+          </a:p>
+        </p:txBody>
+      </p:sp>
+      <p:pic>
+        <p:nvPicPr>
+          <p:cNvPr id="5" name="Content Placeholder 4">
+            <a:extLst>
+              <a:ext uri="{FF2B5EF4-FFF2-40B4-BE49-F238E27FC236}">
+                <a16:creationId xmlns:a16="http://schemas.microsoft.com/office/drawing/2014/main" id="{E56347FA-1BF0-45A0-B010-84D5EACAE634}"/>
+              </a:ext>
+            </a:extLst>
+          </p:cNvPr>
+          <p:cNvPicPr>
+            <a:picLocks noGrp="1" noChangeAspect="1"/>
+          </p:cNvPicPr>
+          <p:nvPr>
+            <p:ph sz="half" idx="1"/>
+          </p:nvPr>
+        </p:nvPicPr>
+        <p:blipFill>
+          <a:blip r:embed="rId2">
+            <a:extLst>
+              <a:ext uri="{28A0092B-C50C-407E-A947-70E740481C1C}">
+                <a14:useLocalDpi xmlns:a14="http://schemas.microsoft.com/office/drawing/2010/main" val="0"/>
+              </a:ext>
+            </a:extLst>
+          </a:blip>
+          <a:stretch>
+            <a:fillRect/>
+          </a:stretch>
+        </p:blipFill>
+        <p:spPr>
+          <a:xfrm>
+            <a:off x="2043112" y="2627312"/>
+            <a:ext cx="3305175" cy="2667000"/>
+          </a:xfrm>
+        </p:spPr>
+      </p:pic>
+      <p:sp>
+        <p:nvSpPr>
+          <p:cNvPr id="6" name="Content Placeholder 5">
+            <a:extLst>
+              <a:ext uri="{FF2B5EF4-FFF2-40B4-BE49-F238E27FC236}">
+                <a16:creationId xmlns:a16="http://schemas.microsoft.com/office/drawing/2014/main" id="{297E10FB-44B4-4749-9227-5B11FB485256}"/>
+              </a:ext>
+            </a:extLst>
+          </p:cNvPr>
+          <p:cNvSpPr>
+            <a:spLocks noGrp="1"/>
+          </p:cNvSpPr>
+          <p:nvPr>
+            <p:ph sz="half" idx="2"/>
+          </p:nvPr>
+        </p:nvSpPr>
+        <p:spPr/>
+        <p:txBody>
+          <a:bodyPr/>
+          <a:lstStyle/>
+          <a:p>
+            <a:r>
+              <a:rPr lang="en-US" dirty="0"/>
+              <a:t>Has four states (fulfilled, rejected, pending, settled)</a:t>
+            </a:r>
+          </a:p>
+          <a:p>
+            <a:r>
+              <a:rPr lang="en-US" dirty="0"/>
+              <a:t>Events added with </a:t>
+            </a:r>
+            <a:r>
+              <a:rPr lang="en-US" dirty="0">
+                <a:solidFill>
+                  <a:srgbClr val="92D050"/>
+                </a:solidFill>
+              </a:rPr>
+              <a:t>.then() </a:t>
+            </a:r>
+            <a:r>
+              <a:rPr lang="en-US" dirty="0"/>
+              <a:t>will never be invoked before the completion of the current run of the JavaScript event loop</a:t>
+            </a:r>
+          </a:p>
+          <a:p>
+            <a:r>
+              <a:rPr lang="en-US" dirty="0"/>
+              <a:t>Multiple callbacks may be added by calling </a:t>
+            </a:r>
+            <a:r>
+              <a:rPr lang="en-US" dirty="0">
+                <a:solidFill>
+                  <a:srgbClr val="92D050"/>
+                </a:solidFill>
+              </a:rPr>
+              <a:t>.then()</a:t>
+            </a:r>
+            <a:r>
+              <a:rPr lang="en-US" dirty="0"/>
+              <a:t> several times. They will be invoked one after another, in the order in which they were inserted</a:t>
+            </a:r>
+          </a:p>
+          <a:p>
+            <a:r>
+              <a:rPr lang="en-US" dirty="0"/>
+              <a:t>Code readability improves</a:t>
+            </a:r>
+            <a:endParaRPr lang="en-IN" dirty="0"/>
           </a:p>
         </p:txBody>
       </p:sp>
     </p:spTree>
     <p:extLst>
       <p:ext uri="{BB962C8B-B14F-4D97-AF65-F5344CB8AC3E}">
-        <p14:creationId xmlns:p14="http://schemas.microsoft.com/office/powerpoint/2010/main" val="3232560146"/>
+        <p14:creationId xmlns:p14="http://schemas.microsoft.com/office/powerpoint/2010/main" val="3661180859"/>
       </p:ext>
     </p:extLst>
   </p:cSld>
@@ -4457,7 +5156,7 @@
           <a:p>
             <a:r>
               <a:rPr lang="en-US" dirty="0"/>
-              <a:t>Add a Slide Title - 5</a:t>
+              <a:t>One step ahead- Async and Await</a:t>
             </a:r>
             <a:endParaRPr dirty="0"/>
           </a:p>
@@ -4465,24 +5164,403 @@
       </p:sp>
       <p:sp>
         <p:nvSpPr>
-          <p:cNvPr id="3" name="Picture Placeholder 2" descr="An empty placeholder to add an image. Click on the placeholder and select the image that you wish to add."/>
+          <p:cNvPr id="5" name="Content Placeholder 4">
+            <a:extLst>
+              <a:ext uri="{FF2B5EF4-FFF2-40B4-BE49-F238E27FC236}">
+                <a16:creationId xmlns:a16="http://schemas.microsoft.com/office/drawing/2014/main" id="{977A9507-3E98-4426-8431-A4D6CA802700}"/>
+              </a:ext>
+            </a:extLst>
+          </p:cNvPr>
           <p:cNvSpPr>
             <a:spLocks noGrp="1"/>
           </p:cNvSpPr>
           <p:nvPr>
-            <p:ph type="pic" idx="1"/>
+            <p:ph idx="1"/>
           </p:nvPr>
         </p:nvSpPr>
         <p:spPr/>
-      </p:sp>
-      <p:sp>
-        <p:nvSpPr>
-          <p:cNvPr id="4" name="Text Placeholder 3"/>
+        <p:txBody>
+          <a:bodyPr>
+            <a:normAutofit fontScale="92500" lnSpcReduction="10000"/>
+          </a:bodyPr>
+          <a:lstStyle/>
+          <a:p>
+            <a:r>
+              <a:rPr lang="en-US" dirty="0">
+                <a:solidFill>
+                  <a:schemeClr val="accent5">
+                    <a:lumMod val="60000"/>
+                    <a:lumOff val="40000"/>
+                  </a:schemeClr>
+                </a:solidFill>
+              </a:rPr>
+              <a:t>async </a:t>
+            </a:r>
+            <a:r>
+              <a:rPr lang="en-US" dirty="0"/>
+              <a:t>keyword- converts a function into its async version which knows how to handle asynchronous code invoked using </a:t>
+            </a:r>
+            <a:r>
+              <a:rPr lang="en-US" dirty="0">
+                <a:solidFill>
+                  <a:schemeClr val="accent5">
+                    <a:lumMod val="60000"/>
+                    <a:lumOff val="40000"/>
+                  </a:schemeClr>
+                </a:solidFill>
+              </a:rPr>
+              <a:t>await </a:t>
+            </a:r>
+            <a:r>
+              <a:rPr lang="en-US" dirty="0"/>
+              <a:t>keyword</a:t>
+            </a:r>
+          </a:p>
+          <a:p>
+            <a:r>
+              <a:rPr lang="en-US" dirty="0"/>
+              <a:t>async function always returns a </a:t>
+            </a:r>
+            <a:r>
+              <a:rPr lang="en-US" dirty="0" err="1"/>
+              <a:t>typecasted</a:t>
+            </a:r>
+            <a:r>
+              <a:rPr lang="en-US" dirty="0"/>
+              <a:t> promise</a:t>
+            </a:r>
+          </a:p>
+          <a:p>
+            <a:r>
+              <a:rPr lang="en-US" dirty="0"/>
+              <a:t>await only works inside async functions (can also be used on its own with JavaScript modules)</a:t>
+            </a:r>
+          </a:p>
+          <a:p>
+            <a:r>
+              <a:rPr lang="en-US" dirty="0"/>
+              <a:t>await can be put in front of any async promise-based function to pause your code on that line until the promise fulfills. An example-</a:t>
+            </a:r>
+          </a:p>
+          <a:p>
+            <a:pPr marL="0" indent="0">
+              <a:buNone/>
+            </a:pPr>
+            <a:r>
+              <a:rPr lang="en-IN" b="0" dirty="0">
+                <a:solidFill>
+                  <a:srgbClr val="49E0FD"/>
+                </a:solidFill>
+                <a:effectLst/>
+                <a:latin typeface="Consolas" panose="020B0609020204030204" pitchFamily="49" charset="0"/>
+              </a:rPr>
+              <a:t>async</a:t>
+            </a:r>
+            <a:r>
+              <a:rPr lang="en-IN" b="0" dirty="0">
+                <a:solidFill>
+                  <a:srgbClr val="CCCCCC"/>
+                </a:solidFill>
+                <a:effectLst/>
+                <a:latin typeface="Consolas" panose="020B0609020204030204" pitchFamily="49" charset="0"/>
+              </a:rPr>
+              <a:t> </a:t>
+            </a:r>
+            <a:r>
+              <a:rPr lang="en-IN" b="0" dirty="0">
+                <a:solidFill>
+                  <a:srgbClr val="2BE98A"/>
+                </a:solidFill>
+                <a:effectLst/>
+                <a:latin typeface="Consolas" panose="020B0609020204030204" pitchFamily="49" charset="0"/>
+              </a:rPr>
+              <a:t>function</a:t>
+            </a:r>
+            <a:r>
+              <a:rPr lang="en-IN" b="0" dirty="0">
+                <a:solidFill>
+                  <a:srgbClr val="CCCCCC"/>
+                </a:solidFill>
+                <a:effectLst/>
+                <a:latin typeface="Consolas" panose="020B0609020204030204" pitchFamily="49" charset="0"/>
+              </a:rPr>
+              <a:t> </a:t>
+            </a:r>
+            <a:r>
+              <a:rPr lang="en-IN" b="0" dirty="0">
+                <a:solidFill>
+                  <a:srgbClr val="B0EC38"/>
+                </a:solidFill>
+                <a:effectLst/>
+                <a:latin typeface="Consolas" panose="020B0609020204030204" pitchFamily="49" charset="0"/>
+              </a:rPr>
+              <a:t>hello</a:t>
+            </a:r>
+            <a:r>
+              <a:rPr lang="en-IN" b="0" dirty="0">
+                <a:solidFill>
+                  <a:srgbClr val="CCCCCC"/>
+                </a:solidFill>
+                <a:effectLst/>
+                <a:latin typeface="Consolas" panose="020B0609020204030204" pitchFamily="49" charset="0"/>
+              </a:rPr>
+              <a:t>() {</a:t>
+            </a:r>
+          </a:p>
+          <a:p>
+            <a:pPr marL="0" indent="0">
+              <a:buNone/>
+            </a:pPr>
+            <a:r>
+              <a:rPr lang="en-IN" b="0" dirty="0">
+                <a:solidFill>
+                  <a:srgbClr val="CCCCCC"/>
+                </a:solidFill>
+                <a:effectLst/>
+                <a:latin typeface="Consolas" panose="020B0609020204030204" pitchFamily="49" charset="0"/>
+              </a:rPr>
+              <a:t>    </a:t>
+            </a:r>
+            <a:r>
+              <a:rPr lang="en-IN" b="0" dirty="0">
+                <a:solidFill>
+                  <a:srgbClr val="F92672"/>
+                </a:solidFill>
+                <a:effectLst/>
+                <a:latin typeface="Consolas" panose="020B0609020204030204" pitchFamily="49" charset="0"/>
+              </a:rPr>
+              <a:t>return</a:t>
+            </a:r>
+            <a:r>
+              <a:rPr lang="en-IN" b="0" dirty="0">
+                <a:solidFill>
+                  <a:srgbClr val="CCCCCC"/>
+                </a:solidFill>
+                <a:effectLst/>
+                <a:latin typeface="Consolas" panose="020B0609020204030204" pitchFamily="49" charset="0"/>
+              </a:rPr>
+              <a:t> greeting </a:t>
+            </a:r>
+            <a:r>
+              <a:rPr lang="en-IN" b="0" dirty="0">
+                <a:solidFill>
+                  <a:srgbClr val="F92672"/>
+                </a:solidFill>
+                <a:effectLst/>
+                <a:latin typeface="Consolas" panose="020B0609020204030204" pitchFamily="49" charset="0"/>
+              </a:rPr>
+              <a:t>=</a:t>
+            </a:r>
+            <a:r>
+              <a:rPr lang="en-IN" b="0" dirty="0">
+                <a:solidFill>
+                  <a:srgbClr val="CCCCCC"/>
+                </a:solidFill>
+                <a:effectLst/>
+                <a:latin typeface="Consolas" panose="020B0609020204030204" pitchFamily="49" charset="0"/>
+              </a:rPr>
+              <a:t> </a:t>
+            </a:r>
+            <a:r>
+              <a:rPr lang="en-IN" b="0" dirty="0">
+                <a:solidFill>
+                  <a:srgbClr val="F92672"/>
+                </a:solidFill>
+                <a:effectLst/>
+                <a:latin typeface="Consolas" panose="020B0609020204030204" pitchFamily="49" charset="0"/>
+              </a:rPr>
+              <a:t>await</a:t>
+            </a:r>
+            <a:r>
+              <a:rPr lang="en-IN" b="0" dirty="0">
+                <a:solidFill>
+                  <a:srgbClr val="CCCCCC"/>
+                </a:solidFill>
+                <a:effectLst/>
+                <a:latin typeface="Consolas" panose="020B0609020204030204" pitchFamily="49" charset="0"/>
+              </a:rPr>
+              <a:t> </a:t>
+            </a:r>
+            <a:r>
+              <a:rPr lang="en-IN" b="0" dirty="0" err="1">
+                <a:solidFill>
+                  <a:srgbClr val="2BE98A"/>
+                </a:solidFill>
+                <a:effectLst/>
+                <a:latin typeface="Consolas" panose="020B0609020204030204" pitchFamily="49" charset="0"/>
+              </a:rPr>
+              <a:t>Promise</a:t>
+            </a:r>
+            <a:r>
+              <a:rPr lang="en-IN" b="0" dirty="0" err="1">
+                <a:solidFill>
+                  <a:srgbClr val="F92672"/>
+                </a:solidFill>
+                <a:effectLst/>
+                <a:latin typeface="Consolas" panose="020B0609020204030204" pitchFamily="49" charset="0"/>
+              </a:rPr>
+              <a:t>.</a:t>
+            </a:r>
+            <a:r>
+              <a:rPr lang="en-IN" b="0" dirty="0" err="1">
+                <a:solidFill>
+                  <a:srgbClr val="B0EC38"/>
+                </a:solidFill>
+                <a:effectLst/>
+                <a:latin typeface="Consolas" panose="020B0609020204030204" pitchFamily="49" charset="0"/>
+              </a:rPr>
+              <a:t>resolve</a:t>
+            </a:r>
+            <a:r>
+              <a:rPr lang="en-IN" b="0" dirty="0">
+                <a:solidFill>
+                  <a:srgbClr val="CCCCCC"/>
+                </a:solidFill>
+                <a:effectLst/>
+                <a:latin typeface="Consolas" panose="020B0609020204030204" pitchFamily="49" charset="0"/>
+              </a:rPr>
+              <a:t>(</a:t>
+            </a:r>
+            <a:r>
+              <a:rPr lang="en-IN" b="0" dirty="0">
+                <a:solidFill>
+                  <a:srgbClr val="E6DB74"/>
+                </a:solidFill>
+                <a:effectLst/>
+                <a:latin typeface="Consolas" panose="020B0609020204030204" pitchFamily="49" charset="0"/>
+              </a:rPr>
+              <a:t>"Hello"</a:t>
+            </a:r>
+            <a:r>
+              <a:rPr lang="en-IN" b="0" dirty="0">
+                <a:solidFill>
+                  <a:srgbClr val="CCCCCC"/>
+                </a:solidFill>
+                <a:effectLst/>
+                <a:latin typeface="Consolas" panose="020B0609020204030204" pitchFamily="49" charset="0"/>
+              </a:rPr>
+              <a:t>);</a:t>
+            </a:r>
+          </a:p>
+          <a:p>
+            <a:pPr marL="0" indent="0">
+              <a:buNone/>
+            </a:pPr>
+            <a:r>
+              <a:rPr lang="en-IN" b="0" dirty="0">
+                <a:solidFill>
+                  <a:srgbClr val="CCCCCC"/>
+                </a:solidFill>
+                <a:effectLst/>
+                <a:latin typeface="Consolas" panose="020B0609020204030204" pitchFamily="49" charset="0"/>
+              </a:rPr>
+              <a:t>};</a:t>
+            </a:r>
+          </a:p>
+          <a:p>
+            <a:pPr marL="0" indent="0">
+              <a:buNone/>
+            </a:pPr>
+            <a:r>
+              <a:rPr lang="en-IN" b="0" dirty="0">
+                <a:solidFill>
+                  <a:srgbClr val="B0EC38"/>
+                </a:solidFill>
+                <a:effectLst/>
+                <a:latin typeface="Consolas" panose="020B0609020204030204" pitchFamily="49" charset="0"/>
+              </a:rPr>
+              <a:t>hello</a:t>
+            </a:r>
+            <a:r>
+              <a:rPr lang="en-IN" b="0" dirty="0">
+                <a:solidFill>
+                  <a:srgbClr val="CCCCCC"/>
+                </a:solidFill>
+                <a:effectLst/>
+                <a:latin typeface="Consolas" panose="020B0609020204030204" pitchFamily="49" charset="0"/>
+              </a:rPr>
+              <a:t>()</a:t>
+            </a:r>
+            <a:r>
+              <a:rPr lang="en-IN" b="0" dirty="0">
+                <a:solidFill>
+                  <a:srgbClr val="F92672"/>
+                </a:solidFill>
+                <a:effectLst/>
+                <a:latin typeface="Consolas" panose="020B0609020204030204" pitchFamily="49" charset="0"/>
+              </a:rPr>
+              <a:t>.</a:t>
+            </a:r>
+            <a:r>
+              <a:rPr lang="en-IN" b="0" dirty="0">
+                <a:solidFill>
+                  <a:srgbClr val="B0EC38"/>
+                </a:solidFill>
+                <a:effectLst/>
+                <a:latin typeface="Consolas" panose="020B0609020204030204" pitchFamily="49" charset="0"/>
+              </a:rPr>
+              <a:t>then</a:t>
+            </a:r>
+            <a:r>
+              <a:rPr lang="en-IN" b="0" dirty="0">
+                <a:solidFill>
+                  <a:srgbClr val="CCCCCC"/>
+                </a:solidFill>
+                <a:effectLst/>
+                <a:latin typeface="Consolas" panose="020B0609020204030204" pitchFamily="49" charset="0"/>
+              </a:rPr>
+              <a:t>(alert);</a:t>
+            </a:r>
+          </a:p>
+          <a:p>
+            <a:endParaRPr lang="en-US" dirty="0"/>
+          </a:p>
+        </p:txBody>
+      </p:sp>
+    </p:spTree>
+    <p:extLst>
+      <p:ext uri="{BB962C8B-B14F-4D97-AF65-F5344CB8AC3E}">
+        <p14:creationId xmlns:p14="http://schemas.microsoft.com/office/powerpoint/2010/main" val="3232560146"/>
+      </p:ext>
+    </p:extLst>
+  </p:cSld>
+  <p:clrMapOvr>
+    <a:masterClrMapping/>
+  </p:clrMapOvr>
+</p:sld>
+</file>
+
+<file path=ppt/slides/slide14.xml><?xml version="1.0" encoding="utf-8"?>
+<p:sld xmlns:a="http://schemas.openxmlformats.org/drawingml/2006/main" xmlns:r="http://schemas.openxmlformats.org/officeDocument/2006/relationships" xmlns:p="http://schemas.openxmlformats.org/presentationml/2006/main">
+  <p:cSld>
+    <p:spTree>
+      <p:nvGrpSpPr>
+        <p:cNvPr id="1" name=""/>
+        <p:cNvGrpSpPr/>
+        <p:nvPr/>
+      </p:nvGrpSpPr>
+      <p:grpSpPr>
+        <a:xfrm>
+          <a:off x="0" y="0"/>
+          <a:ext cx="0" cy="0"/>
+          <a:chOff x="0" y="0"/>
+          <a:chExt cx="0" cy="0"/>
+        </a:xfrm>
+      </p:grpSpPr>
+      <p:sp>
+        <p:nvSpPr>
+          <p:cNvPr id="5" name="Title 4">
+            <a:extLst>
+              <a:ext uri="{FF2B5EF4-FFF2-40B4-BE49-F238E27FC236}">
+                <a16:creationId xmlns:a16="http://schemas.microsoft.com/office/drawing/2014/main" id="{8C35F333-C34B-4EFA-9E13-566CE412E127}"/>
+              </a:ext>
+            </a:extLst>
+          </p:cNvPr>
           <p:cNvSpPr>
             <a:spLocks noGrp="1"/>
           </p:cNvSpPr>
           <p:nvPr>
-            <p:ph type="body" sz="half" idx="2"/>
+            <p:ph type="title"/>
           </p:nvPr>
         </p:nvSpPr>
         <p:spPr/>
@@ -4490,7 +5568,1051 @@
           <a:bodyPr/>
           <a:lstStyle/>
           <a:p>
-            <a:endParaRPr/>
+            <a:r>
+              <a:rPr lang="en-US" dirty="0"/>
+              <a:t>Real- life example: connect better</a:t>
+            </a:r>
+            <a:endParaRPr lang="en-IN" dirty="0"/>
+          </a:p>
+        </p:txBody>
+      </p:sp>
+      <p:sp>
+        <p:nvSpPr>
+          <p:cNvPr id="6" name="Content Placeholder 5">
+            <a:extLst>
+              <a:ext uri="{FF2B5EF4-FFF2-40B4-BE49-F238E27FC236}">
+                <a16:creationId xmlns:a16="http://schemas.microsoft.com/office/drawing/2014/main" id="{625B82C3-5A4A-4660-8D9F-49C0F6F2FEAF}"/>
+              </a:ext>
+            </a:extLst>
+          </p:cNvPr>
+          <p:cNvSpPr>
+            <a:spLocks noGrp="1"/>
+          </p:cNvSpPr>
+          <p:nvPr>
+            <p:ph idx="1"/>
+          </p:nvPr>
+        </p:nvSpPr>
+        <p:spPr/>
+        <p:txBody>
+          <a:bodyPr/>
+          <a:lstStyle/>
+          <a:p>
+            <a:r>
+              <a:rPr lang="en-US" dirty="0"/>
+              <a:t>Imagine your daily routine has five tasks- shower, breakfast, </a:t>
+            </a:r>
+            <a:r>
+              <a:rPr lang="en-US" dirty="0" err="1"/>
+              <a:t>dressup</a:t>
+            </a:r>
+            <a:r>
+              <a:rPr lang="en-US" dirty="0"/>
+              <a:t>, read news</a:t>
+            </a:r>
+          </a:p>
+          <a:p>
+            <a:r>
+              <a:rPr lang="en-US" dirty="0"/>
+              <a:t>You can do ‘</a:t>
+            </a:r>
+            <a:r>
+              <a:rPr lang="en-US" dirty="0" err="1"/>
+              <a:t>em</a:t>
+            </a:r>
+            <a:r>
+              <a:rPr lang="en-US" dirty="0"/>
+              <a:t> sequentially or do ‘</a:t>
+            </a:r>
+            <a:r>
+              <a:rPr lang="en-US" dirty="0" err="1"/>
+              <a:t>em</a:t>
+            </a:r>
+            <a:r>
+              <a:rPr lang="en-US" dirty="0"/>
+              <a:t> in any order and complete as fast as possible</a:t>
+            </a:r>
+          </a:p>
+          <a:p>
+            <a:r>
+              <a:rPr lang="en-US" dirty="0"/>
+              <a:t>But some constraints- you cannot </a:t>
+            </a:r>
+            <a:r>
+              <a:rPr lang="en-US" dirty="0" err="1"/>
+              <a:t>dressup</a:t>
+            </a:r>
+            <a:r>
+              <a:rPr lang="en-US" dirty="0"/>
+              <a:t> before shower</a:t>
+            </a:r>
+          </a:p>
+          <a:p>
+            <a:r>
+              <a:rPr lang="en-US" dirty="0"/>
+              <a:t>So, to maintain some order, we use </a:t>
+            </a:r>
+            <a:r>
+              <a:rPr lang="en-US" dirty="0">
+                <a:solidFill>
+                  <a:schemeClr val="accent5">
+                    <a:lumMod val="60000"/>
+                    <a:lumOff val="40000"/>
+                  </a:schemeClr>
+                </a:solidFill>
+              </a:rPr>
+              <a:t>await</a:t>
+            </a:r>
+            <a:r>
+              <a:rPr lang="en-US" dirty="0"/>
+              <a:t> keyword to wait for a promise to be resolved before continuing to the next task</a:t>
+            </a:r>
+          </a:p>
+          <a:p>
+            <a:r>
+              <a:rPr lang="en-US" dirty="0"/>
+              <a:t>Hence dealing with similar large asynchronous tasks becomes easier to work with</a:t>
+            </a:r>
+          </a:p>
+          <a:p>
+            <a:endParaRPr lang="en-IN" dirty="0"/>
+          </a:p>
+        </p:txBody>
+      </p:sp>
+    </p:spTree>
+    <p:extLst>
+      <p:ext uri="{BB962C8B-B14F-4D97-AF65-F5344CB8AC3E}">
+        <p14:creationId xmlns:p14="http://schemas.microsoft.com/office/powerpoint/2010/main" val="92197509"/>
+      </p:ext>
+    </p:extLst>
+  </p:cSld>
+  <p:clrMapOvr>
+    <a:masterClrMapping/>
+  </p:clrMapOvr>
+</p:sld>
+</file>
+
+<file path=ppt/slides/slide15.xml><?xml version="1.0" encoding="utf-8"?>
+<p:sld xmlns:a="http://schemas.openxmlformats.org/drawingml/2006/main" xmlns:r="http://schemas.openxmlformats.org/officeDocument/2006/relationships" xmlns:p="http://schemas.openxmlformats.org/presentationml/2006/main">
+  <p:cSld>
+    <p:spTree>
+      <p:nvGrpSpPr>
+        <p:cNvPr id="1" name=""/>
+        <p:cNvGrpSpPr/>
+        <p:nvPr/>
+      </p:nvGrpSpPr>
+      <p:grpSpPr>
+        <a:xfrm>
+          <a:off x="0" y="0"/>
+          <a:ext cx="0" cy="0"/>
+          <a:chOff x="0" y="0"/>
+          <a:chExt cx="0" cy="0"/>
+        </a:xfrm>
+      </p:grpSpPr>
+      <p:sp>
+        <p:nvSpPr>
+          <p:cNvPr id="2" name="Title 1">
+            <a:extLst>
+              <a:ext uri="{FF2B5EF4-FFF2-40B4-BE49-F238E27FC236}">
+                <a16:creationId xmlns:a16="http://schemas.microsoft.com/office/drawing/2014/main" id="{686A2D90-3AC9-444B-8381-9A3B3336511F}"/>
+              </a:ext>
+            </a:extLst>
+          </p:cNvPr>
+          <p:cNvSpPr>
+            <a:spLocks noGrp="1"/>
+          </p:cNvSpPr>
+          <p:nvPr>
+            <p:ph type="title"/>
+          </p:nvPr>
+        </p:nvSpPr>
+        <p:spPr/>
+        <p:txBody>
+          <a:bodyPr/>
+          <a:lstStyle/>
+          <a:p>
+            <a:r>
+              <a:rPr lang="en-US" dirty="0"/>
+              <a:t>Essence of async and await</a:t>
+            </a:r>
+            <a:endParaRPr lang="en-IN" dirty="0"/>
+          </a:p>
+        </p:txBody>
+      </p:sp>
+      <p:sp>
+        <p:nvSpPr>
+          <p:cNvPr id="3" name="Content Placeholder 2">
+            <a:extLst>
+              <a:ext uri="{FF2B5EF4-FFF2-40B4-BE49-F238E27FC236}">
+                <a16:creationId xmlns:a16="http://schemas.microsoft.com/office/drawing/2014/main" id="{9EE11C04-5EDE-4A87-8BCF-26C325AB7E01}"/>
+              </a:ext>
+            </a:extLst>
+          </p:cNvPr>
+          <p:cNvSpPr>
+            <a:spLocks noGrp="1"/>
+          </p:cNvSpPr>
+          <p:nvPr>
+            <p:ph idx="1"/>
+          </p:nvPr>
+        </p:nvSpPr>
+        <p:spPr/>
+        <p:txBody>
+          <a:bodyPr/>
+          <a:lstStyle/>
+          <a:p>
+            <a:r>
+              <a:rPr lang="en-US" dirty="0">
+                <a:solidFill>
+                  <a:schemeClr val="accent5">
+                    <a:lumMod val="60000"/>
+                    <a:lumOff val="40000"/>
+                  </a:schemeClr>
+                </a:solidFill>
+              </a:rPr>
+              <a:t>async </a:t>
+            </a:r>
+            <a:r>
+              <a:rPr lang="en-US" dirty="0"/>
+              <a:t>and </a:t>
+            </a:r>
+            <a:r>
+              <a:rPr lang="en-US" dirty="0">
+                <a:solidFill>
+                  <a:schemeClr val="accent5">
+                    <a:lumMod val="60000"/>
+                    <a:lumOff val="40000"/>
+                  </a:schemeClr>
+                </a:solidFill>
+              </a:rPr>
+              <a:t>await </a:t>
+            </a:r>
+            <a:r>
+              <a:rPr lang="en-US" dirty="0"/>
+              <a:t>are only for wrapping around promises in a sugary syntax</a:t>
+            </a:r>
+          </a:p>
+          <a:p>
+            <a:r>
+              <a:rPr lang="en-US" dirty="0"/>
+              <a:t>Real computation- Promises</a:t>
+            </a:r>
+          </a:p>
+          <a:p>
+            <a:r>
+              <a:rPr lang="en-IN" dirty="0"/>
+              <a:t>Makes the original variable based promises easier to work with</a:t>
+            </a:r>
+          </a:p>
+          <a:p>
+            <a:r>
+              <a:rPr lang="en-IN" dirty="0"/>
+              <a:t>Now can handle wait requests inside functions- ease in work flow</a:t>
+            </a:r>
+          </a:p>
+          <a:p>
+            <a:r>
+              <a:rPr lang="en-IN" dirty="0"/>
+              <a:t>Same asynchronous code modularized using </a:t>
+            </a:r>
+            <a:r>
+              <a:rPr lang="en-IN" dirty="0">
+                <a:solidFill>
+                  <a:schemeClr val="accent5">
+                    <a:lumMod val="60000"/>
+                    <a:lumOff val="40000"/>
+                  </a:schemeClr>
+                </a:solidFill>
+              </a:rPr>
+              <a:t>async </a:t>
+            </a:r>
+          </a:p>
+          <a:p>
+            <a:r>
+              <a:rPr lang="en-US" dirty="0"/>
+              <a:t>This only affects the order of promises within a specific async function</a:t>
+            </a:r>
+            <a:endParaRPr lang="en-IN" dirty="0"/>
+          </a:p>
+        </p:txBody>
+      </p:sp>
+    </p:spTree>
+    <p:extLst>
+      <p:ext uri="{BB962C8B-B14F-4D97-AF65-F5344CB8AC3E}">
+        <p14:creationId xmlns:p14="http://schemas.microsoft.com/office/powerpoint/2010/main" val="3206271192"/>
+      </p:ext>
+    </p:extLst>
+  </p:cSld>
+  <p:clrMapOvr>
+    <a:masterClrMapping/>
+  </p:clrMapOvr>
+</p:sld>
+</file>
+
+<file path=ppt/slides/slide16.xml><?xml version="1.0" encoding="utf-8"?>
+<p:sld xmlns:a="http://schemas.openxmlformats.org/drawingml/2006/main" xmlns:r="http://schemas.openxmlformats.org/officeDocument/2006/relationships" xmlns:p="http://schemas.openxmlformats.org/presentationml/2006/main">
+  <p:cSld>
+    <p:spTree>
+      <p:nvGrpSpPr>
+        <p:cNvPr id="1" name=""/>
+        <p:cNvGrpSpPr/>
+        <p:nvPr/>
+      </p:nvGrpSpPr>
+      <p:grpSpPr>
+        <a:xfrm>
+          <a:off x="0" y="0"/>
+          <a:ext cx="0" cy="0"/>
+          <a:chOff x="0" y="0"/>
+          <a:chExt cx="0" cy="0"/>
+        </a:xfrm>
+      </p:grpSpPr>
+      <p:sp>
+        <p:nvSpPr>
+          <p:cNvPr id="2" name="Title 1"/>
+          <p:cNvSpPr>
+            <a:spLocks noGrp="1"/>
+          </p:cNvSpPr>
+          <p:nvPr>
+            <p:ph type="title"/>
+          </p:nvPr>
+        </p:nvSpPr>
+        <p:spPr/>
+        <p:txBody>
+          <a:bodyPr>
+            <a:normAutofit/>
+          </a:bodyPr>
+          <a:lstStyle/>
+          <a:p>
+            <a:r>
+              <a:rPr lang="en-US" dirty="0"/>
+              <a:t>Understanding through an example</a:t>
+            </a:r>
+          </a:p>
+        </p:txBody>
+      </p:sp>
+      <p:sp>
+        <p:nvSpPr>
+          <p:cNvPr id="6" name="Content Placeholder 5">
+            <a:extLst>
+              <a:ext uri="{FF2B5EF4-FFF2-40B4-BE49-F238E27FC236}">
+                <a16:creationId xmlns:a16="http://schemas.microsoft.com/office/drawing/2014/main" id="{DDB6A47E-4E54-474B-A44F-352827C11F63}"/>
+              </a:ext>
+            </a:extLst>
+          </p:cNvPr>
+          <p:cNvSpPr>
+            <a:spLocks noGrp="1"/>
+          </p:cNvSpPr>
+          <p:nvPr>
+            <p:ph sz="half" idx="1"/>
+          </p:nvPr>
+        </p:nvSpPr>
+        <p:spPr/>
+        <p:txBody>
+          <a:bodyPr>
+            <a:normAutofit fontScale="92500" lnSpcReduction="10000"/>
+          </a:bodyPr>
+          <a:lstStyle/>
+          <a:p>
+            <a:r>
+              <a:rPr lang="en-US" dirty="0"/>
+              <a:t>Can you figure out the output for this snippet?</a:t>
+            </a:r>
+          </a:p>
+          <a:p>
+            <a:r>
+              <a:rPr lang="en-IN" dirty="0"/>
+              <a:t>Thinking about the flow of code in terms of main stack and await stack will help here</a:t>
+            </a:r>
+          </a:p>
+          <a:p>
+            <a:r>
+              <a:rPr lang="en-IN" dirty="0"/>
+              <a:t>Let’s break it down and understand it better-</a:t>
+            </a:r>
+          </a:p>
+          <a:p>
+            <a:r>
+              <a:rPr lang="en-IN" dirty="0" err="1"/>
+              <a:t>num</a:t>
+            </a:r>
+            <a:r>
+              <a:rPr lang="en-IN" dirty="0"/>
+              <a:t> = 0 </a:t>
+            </a:r>
+            <a:r>
+              <a:rPr lang="en-IN" dirty="0">
+                <a:sym typeface="Wingdings" panose="05000000000000000000" pitchFamily="2" charset="2"/>
+              </a:rPr>
+              <a:t> </a:t>
+            </a:r>
+            <a:r>
+              <a:rPr lang="en-IN" dirty="0">
+                <a:solidFill>
+                  <a:schemeClr val="accent5">
+                    <a:lumMod val="60000"/>
+                    <a:lumOff val="40000"/>
+                  </a:schemeClr>
+                </a:solidFill>
+                <a:sym typeface="Wingdings" panose="05000000000000000000" pitchFamily="2" charset="2"/>
+              </a:rPr>
+              <a:t>await </a:t>
+            </a:r>
+            <a:r>
+              <a:rPr lang="en-IN" dirty="0">
+                <a:sym typeface="Wingdings" panose="05000000000000000000" pitchFamily="2" charset="2"/>
+              </a:rPr>
+              <a:t>encountered, set aside and continue main stack  </a:t>
+            </a:r>
+            <a:r>
+              <a:rPr lang="en-IN" dirty="0" err="1">
+                <a:sym typeface="Wingdings" panose="05000000000000000000" pitchFamily="2" charset="2"/>
+              </a:rPr>
+              <a:t>num</a:t>
+            </a:r>
+            <a:r>
+              <a:rPr lang="en-IN" dirty="0">
+                <a:sym typeface="Wingdings" panose="05000000000000000000" pitchFamily="2" charset="2"/>
+              </a:rPr>
+              <a:t> += 1 makes it 1  log 1  go back to </a:t>
+            </a:r>
+            <a:r>
+              <a:rPr lang="en-IN" dirty="0">
+                <a:solidFill>
+                  <a:schemeClr val="accent5">
+                    <a:lumMod val="60000"/>
+                    <a:lumOff val="40000"/>
+                  </a:schemeClr>
+                </a:solidFill>
+                <a:sym typeface="Wingdings" panose="05000000000000000000" pitchFamily="2" charset="2"/>
+              </a:rPr>
+              <a:t>await, </a:t>
+            </a:r>
+            <a:r>
+              <a:rPr lang="en-IN" dirty="0">
+                <a:sym typeface="Wingdings" panose="05000000000000000000" pitchFamily="2" charset="2"/>
+              </a:rPr>
+              <a:t>return 2  </a:t>
+            </a:r>
+            <a:r>
+              <a:rPr lang="en-IN" dirty="0" err="1">
+                <a:sym typeface="Wingdings" panose="05000000000000000000" pitchFamily="2" charset="2"/>
+              </a:rPr>
+              <a:t>num</a:t>
+            </a:r>
+            <a:r>
+              <a:rPr lang="en-IN" dirty="0">
+                <a:sym typeface="Wingdings" panose="05000000000000000000" pitchFamily="2" charset="2"/>
+              </a:rPr>
+              <a:t> += 2 but here </a:t>
+            </a:r>
+            <a:r>
+              <a:rPr lang="en-IN" dirty="0" err="1">
+                <a:sym typeface="Wingdings" panose="05000000000000000000" pitchFamily="2" charset="2"/>
+              </a:rPr>
+              <a:t>num</a:t>
+            </a:r>
+            <a:r>
+              <a:rPr lang="en-IN" dirty="0">
+                <a:sym typeface="Wingdings" panose="05000000000000000000" pitchFamily="2" charset="2"/>
+              </a:rPr>
+              <a:t> is 0 (async code)  log 2.</a:t>
+            </a:r>
+            <a:br>
+              <a:rPr lang="en-IN" dirty="0">
+                <a:sym typeface="Wingdings" panose="05000000000000000000" pitchFamily="2" charset="2"/>
+              </a:rPr>
+            </a:br>
+            <a:r>
+              <a:rPr lang="en-IN" dirty="0">
+                <a:sym typeface="Wingdings" panose="05000000000000000000" pitchFamily="2" charset="2"/>
+              </a:rPr>
+              <a:t>1</a:t>
+            </a:r>
+            <a:br>
+              <a:rPr lang="en-IN" dirty="0">
+                <a:sym typeface="Wingdings" panose="05000000000000000000" pitchFamily="2" charset="2"/>
+              </a:rPr>
+            </a:br>
+            <a:r>
+              <a:rPr lang="en-IN" dirty="0">
+                <a:sym typeface="Wingdings" panose="05000000000000000000" pitchFamily="2" charset="2"/>
+              </a:rPr>
+              <a:t>2 </a:t>
+            </a:r>
+            <a:endParaRPr lang="en-IN" dirty="0">
+              <a:solidFill>
+                <a:schemeClr val="accent5">
+                  <a:lumMod val="60000"/>
+                  <a:lumOff val="40000"/>
+                </a:schemeClr>
+              </a:solidFill>
+            </a:endParaRPr>
+          </a:p>
+          <a:p>
+            <a:endParaRPr lang="en-IN" dirty="0"/>
+          </a:p>
+        </p:txBody>
+      </p:sp>
+      <p:sp>
+        <p:nvSpPr>
+          <p:cNvPr id="7" name="Content Placeholder 6">
+            <a:extLst>
+              <a:ext uri="{FF2B5EF4-FFF2-40B4-BE49-F238E27FC236}">
+                <a16:creationId xmlns:a16="http://schemas.microsoft.com/office/drawing/2014/main" id="{1A0BA1C9-80B8-4671-AE75-2B3262A010CB}"/>
+              </a:ext>
+            </a:extLst>
+          </p:cNvPr>
+          <p:cNvSpPr>
+            <a:spLocks noGrp="1"/>
+          </p:cNvSpPr>
+          <p:nvPr>
+            <p:ph sz="half" idx="2"/>
+          </p:nvPr>
+        </p:nvSpPr>
+        <p:spPr/>
+        <p:txBody>
+          <a:bodyPr>
+            <a:normAutofit fontScale="92500" lnSpcReduction="10000"/>
+          </a:bodyPr>
+          <a:lstStyle/>
+          <a:p>
+            <a:pPr marL="0" indent="0">
+              <a:buNone/>
+            </a:pPr>
+            <a:r>
+              <a:rPr lang="en-IN" b="0" dirty="0">
+                <a:solidFill>
+                  <a:srgbClr val="49E0FD"/>
+                </a:solidFill>
+                <a:effectLst/>
+                <a:latin typeface="Consolas" panose="020B0609020204030204" pitchFamily="49" charset="0"/>
+              </a:rPr>
+              <a:t>let</a:t>
+            </a:r>
+            <a:r>
+              <a:rPr lang="en-IN" b="0" dirty="0">
+                <a:solidFill>
+                  <a:srgbClr val="CCCCCC"/>
+                </a:solidFill>
+                <a:effectLst/>
+                <a:latin typeface="Consolas" panose="020B0609020204030204" pitchFamily="49" charset="0"/>
+              </a:rPr>
+              <a:t> </a:t>
+            </a:r>
+            <a:r>
+              <a:rPr lang="en-IN" b="0" dirty="0" err="1">
+                <a:solidFill>
+                  <a:srgbClr val="CCCCCC"/>
+                </a:solidFill>
+                <a:effectLst/>
+                <a:latin typeface="Consolas" panose="020B0609020204030204" pitchFamily="49" charset="0"/>
+              </a:rPr>
+              <a:t>num</a:t>
+            </a:r>
+            <a:r>
+              <a:rPr lang="en-IN" b="0" dirty="0">
+                <a:solidFill>
+                  <a:srgbClr val="CCCCCC"/>
+                </a:solidFill>
+                <a:effectLst/>
+                <a:latin typeface="Consolas" panose="020B0609020204030204" pitchFamily="49" charset="0"/>
+              </a:rPr>
+              <a:t> </a:t>
+            </a:r>
+            <a:r>
+              <a:rPr lang="en-IN" b="0" dirty="0">
+                <a:solidFill>
+                  <a:srgbClr val="F92672"/>
+                </a:solidFill>
+                <a:effectLst/>
+                <a:latin typeface="Consolas" panose="020B0609020204030204" pitchFamily="49" charset="0"/>
+              </a:rPr>
+              <a:t>=</a:t>
+            </a:r>
+            <a:r>
+              <a:rPr lang="en-IN" b="0" dirty="0">
+                <a:solidFill>
+                  <a:srgbClr val="CCCCCC"/>
+                </a:solidFill>
+                <a:effectLst/>
+                <a:latin typeface="Consolas" panose="020B0609020204030204" pitchFamily="49" charset="0"/>
+              </a:rPr>
+              <a:t> </a:t>
+            </a:r>
+            <a:r>
+              <a:rPr lang="en-IN" b="0" dirty="0">
+                <a:solidFill>
+                  <a:srgbClr val="AE81FF"/>
+                </a:solidFill>
+                <a:effectLst/>
+                <a:latin typeface="Consolas" panose="020B0609020204030204" pitchFamily="49" charset="0"/>
+              </a:rPr>
+              <a:t>0</a:t>
+            </a:r>
+            <a:r>
+              <a:rPr lang="en-IN" b="0" dirty="0">
+                <a:solidFill>
+                  <a:srgbClr val="CCCCCC"/>
+                </a:solidFill>
+                <a:effectLst/>
+                <a:latin typeface="Consolas" panose="020B0609020204030204" pitchFamily="49" charset="0"/>
+              </a:rPr>
+              <a:t>;</a:t>
+            </a:r>
+          </a:p>
+          <a:p>
+            <a:pPr marL="0" indent="0">
+              <a:buNone/>
+            </a:pPr>
+            <a:r>
+              <a:rPr lang="en-IN" b="0" dirty="0">
+                <a:solidFill>
+                  <a:srgbClr val="49E0FD"/>
+                </a:solidFill>
+                <a:effectLst/>
+                <a:latin typeface="Consolas" panose="020B0609020204030204" pitchFamily="49" charset="0"/>
+              </a:rPr>
+              <a:t>async</a:t>
+            </a:r>
+            <a:r>
+              <a:rPr lang="en-IN" b="0" dirty="0">
+                <a:solidFill>
+                  <a:srgbClr val="CCCCCC"/>
+                </a:solidFill>
+                <a:effectLst/>
+                <a:latin typeface="Consolas" panose="020B0609020204030204" pitchFamily="49" charset="0"/>
+              </a:rPr>
+              <a:t> </a:t>
+            </a:r>
+            <a:r>
+              <a:rPr lang="en-IN" b="0" dirty="0">
+                <a:solidFill>
+                  <a:srgbClr val="2BE98A"/>
+                </a:solidFill>
+                <a:effectLst/>
+                <a:latin typeface="Consolas" panose="020B0609020204030204" pitchFamily="49" charset="0"/>
+              </a:rPr>
+              <a:t>function</a:t>
+            </a:r>
+            <a:r>
+              <a:rPr lang="en-IN" b="0" dirty="0">
+                <a:solidFill>
+                  <a:srgbClr val="CCCCCC"/>
+                </a:solidFill>
+                <a:effectLst/>
+                <a:latin typeface="Consolas" panose="020B0609020204030204" pitchFamily="49" charset="0"/>
+              </a:rPr>
+              <a:t> </a:t>
+            </a:r>
+            <a:r>
+              <a:rPr lang="en-IN" b="0" dirty="0">
+                <a:solidFill>
+                  <a:srgbClr val="B0EC38"/>
+                </a:solidFill>
+                <a:effectLst/>
+                <a:latin typeface="Consolas" panose="020B0609020204030204" pitchFamily="49" charset="0"/>
+              </a:rPr>
+              <a:t>increment</a:t>
+            </a:r>
+            <a:r>
+              <a:rPr lang="en-IN" b="0" dirty="0">
+                <a:solidFill>
+                  <a:srgbClr val="CCCCCC"/>
+                </a:solidFill>
+                <a:effectLst/>
+                <a:latin typeface="Consolas" panose="020B0609020204030204" pitchFamily="49" charset="0"/>
+              </a:rPr>
+              <a:t>() {</a:t>
+            </a:r>
+          </a:p>
+          <a:p>
+            <a:pPr marL="0" indent="0">
+              <a:buNone/>
+            </a:pPr>
+            <a:r>
+              <a:rPr lang="en-IN" b="0" dirty="0">
+                <a:solidFill>
+                  <a:srgbClr val="696D70"/>
+                </a:solidFill>
+                <a:effectLst/>
+                <a:latin typeface="Consolas" panose="020B0609020204030204" pitchFamily="49" charset="0"/>
+              </a:rPr>
+              <a:t>  //</a:t>
+            </a:r>
+            <a:r>
+              <a:rPr lang="en-IN" b="0" dirty="0" err="1">
+                <a:solidFill>
+                  <a:srgbClr val="696D70"/>
+                </a:solidFill>
+                <a:effectLst/>
+                <a:latin typeface="Consolas" panose="020B0609020204030204" pitchFamily="49" charset="0"/>
+              </a:rPr>
+              <a:t>Promise.resolve</a:t>
+            </a:r>
+            <a:r>
+              <a:rPr lang="en-IN" b="0" dirty="0">
+                <a:solidFill>
+                  <a:srgbClr val="696D70"/>
+                </a:solidFill>
+                <a:effectLst/>
+                <a:latin typeface="Consolas" panose="020B0609020204030204" pitchFamily="49" charset="0"/>
+              </a:rPr>
+              <a:t>(2)</a:t>
+            </a:r>
+            <a:endParaRPr lang="en-IN" b="0" dirty="0">
+              <a:solidFill>
+                <a:srgbClr val="CCCCCC"/>
+              </a:solidFill>
+              <a:effectLst/>
+              <a:latin typeface="Consolas" panose="020B0609020204030204" pitchFamily="49" charset="0"/>
+            </a:endParaRPr>
+          </a:p>
+          <a:p>
+            <a:pPr marL="0" indent="0">
+              <a:buNone/>
+            </a:pPr>
+            <a:r>
+              <a:rPr lang="en-IN" b="0" dirty="0">
+                <a:solidFill>
+                  <a:srgbClr val="CCCCCC"/>
+                </a:solidFill>
+                <a:effectLst/>
+                <a:latin typeface="Consolas" panose="020B0609020204030204" pitchFamily="49" charset="0"/>
+              </a:rPr>
+              <a:t>  </a:t>
+            </a:r>
+            <a:r>
+              <a:rPr lang="en-IN" b="0" dirty="0" err="1">
+                <a:solidFill>
+                  <a:srgbClr val="CCCCCC"/>
+                </a:solidFill>
+                <a:effectLst/>
+                <a:latin typeface="Consolas" panose="020B0609020204030204" pitchFamily="49" charset="0"/>
+              </a:rPr>
+              <a:t>num</a:t>
+            </a:r>
+            <a:r>
+              <a:rPr lang="en-IN" b="0" dirty="0">
+                <a:solidFill>
+                  <a:srgbClr val="CCCCCC"/>
+                </a:solidFill>
+                <a:effectLst/>
+                <a:latin typeface="Consolas" panose="020B0609020204030204" pitchFamily="49" charset="0"/>
+              </a:rPr>
+              <a:t> </a:t>
+            </a:r>
+            <a:r>
+              <a:rPr lang="en-IN" b="0" dirty="0">
+                <a:solidFill>
+                  <a:srgbClr val="F92672"/>
+                </a:solidFill>
+                <a:effectLst/>
+                <a:latin typeface="Consolas" panose="020B0609020204030204" pitchFamily="49" charset="0"/>
+              </a:rPr>
+              <a:t>+=</a:t>
+            </a:r>
+            <a:r>
+              <a:rPr lang="en-IN" b="0" dirty="0">
+                <a:solidFill>
+                  <a:srgbClr val="CCCCCC"/>
+                </a:solidFill>
+                <a:effectLst/>
+                <a:latin typeface="Consolas" panose="020B0609020204030204" pitchFamily="49" charset="0"/>
+              </a:rPr>
+              <a:t> </a:t>
+            </a:r>
+            <a:r>
+              <a:rPr lang="en-IN" b="0" dirty="0">
+                <a:solidFill>
+                  <a:srgbClr val="F92672"/>
+                </a:solidFill>
+                <a:effectLst/>
+                <a:latin typeface="Consolas" panose="020B0609020204030204" pitchFamily="49" charset="0"/>
+              </a:rPr>
+              <a:t>await</a:t>
+            </a:r>
+            <a:r>
+              <a:rPr lang="en-IN" b="0" dirty="0">
+                <a:solidFill>
+                  <a:srgbClr val="CCCCCC"/>
+                </a:solidFill>
+                <a:effectLst/>
+                <a:latin typeface="Consolas" panose="020B0609020204030204" pitchFamily="49" charset="0"/>
+              </a:rPr>
+              <a:t> </a:t>
+            </a:r>
+            <a:r>
+              <a:rPr lang="en-IN" b="0" dirty="0">
+                <a:solidFill>
+                  <a:srgbClr val="AE81FF"/>
+                </a:solidFill>
+                <a:effectLst/>
+                <a:latin typeface="Consolas" panose="020B0609020204030204" pitchFamily="49" charset="0"/>
+              </a:rPr>
+              <a:t>2</a:t>
+            </a:r>
+            <a:r>
+              <a:rPr lang="en-IN" b="0" dirty="0">
+                <a:solidFill>
+                  <a:srgbClr val="CCCCCC"/>
+                </a:solidFill>
+                <a:effectLst/>
+                <a:latin typeface="Consolas" panose="020B0609020204030204" pitchFamily="49" charset="0"/>
+              </a:rPr>
+              <a:t>;</a:t>
+            </a:r>
+            <a:r>
+              <a:rPr lang="en-IN" b="0" dirty="0">
+                <a:solidFill>
+                  <a:srgbClr val="696D70"/>
+                </a:solidFill>
+                <a:effectLst/>
+                <a:latin typeface="Consolas" panose="020B0609020204030204" pitchFamily="49" charset="0"/>
+              </a:rPr>
+              <a:t> </a:t>
+            </a:r>
+            <a:endParaRPr lang="en-IN" b="0" dirty="0">
+              <a:solidFill>
+                <a:srgbClr val="CCCCCC"/>
+              </a:solidFill>
+              <a:effectLst/>
+              <a:latin typeface="Consolas" panose="020B0609020204030204" pitchFamily="49" charset="0"/>
+            </a:endParaRPr>
+          </a:p>
+          <a:p>
+            <a:pPr marL="0" indent="0">
+              <a:buNone/>
+            </a:pPr>
+            <a:r>
+              <a:rPr lang="en-IN" b="0" dirty="0">
+                <a:solidFill>
+                  <a:srgbClr val="CCCCCC"/>
+                </a:solidFill>
+                <a:effectLst/>
+                <a:latin typeface="Consolas" panose="020B0609020204030204" pitchFamily="49" charset="0"/>
+              </a:rPr>
+              <a:t>  console</a:t>
+            </a:r>
+            <a:r>
+              <a:rPr lang="en-IN" b="0" dirty="0">
+                <a:solidFill>
+                  <a:srgbClr val="F92672"/>
+                </a:solidFill>
+                <a:effectLst/>
+                <a:latin typeface="Consolas" panose="020B0609020204030204" pitchFamily="49" charset="0"/>
+              </a:rPr>
+              <a:t>.</a:t>
+            </a:r>
+            <a:r>
+              <a:rPr lang="en-IN" b="0" dirty="0">
+                <a:solidFill>
+                  <a:srgbClr val="B0EC38"/>
+                </a:solidFill>
+                <a:effectLst/>
+                <a:latin typeface="Consolas" panose="020B0609020204030204" pitchFamily="49" charset="0"/>
+              </a:rPr>
+              <a:t>log</a:t>
+            </a:r>
+            <a:r>
+              <a:rPr lang="en-IN" b="0" dirty="0">
+                <a:solidFill>
+                  <a:srgbClr val="CCCCCC"/>
+                </a:solidFill>
+                <a:effectLst/>
+                <a:latin typeface="Consolas" panose="020B0609020204030204" pitchFamily="49" charset="0"/>
+              </a:rPr>
+              <a:t>(</a:t>
+            </a:r>
+            <a:r>
+              <a:rPr lang="en-IN" b="0" dirty="0" err="1">
+                <a:solidFill>
+                  <a:srgbClr val="CCCCCC"/>
+                </a:solidFill>
+                <a:effectLst/>
+                <a:latin typeface="Consolas" panose="020B0609020204030204" pitchFamily="49" charset="0"/>
+              </a:rPr>
+              <a:t>num</a:t>
+            </a:r>
+            <a:r>
+              <a:rPr lang="en-IN" b="0" dirty="0">
+                <a:solidFill>
+                  <a:srgbClr val="CCCCCC"/>
+                </a:solidFill>
+                <a:effectLst/>
+                <a:latin typeface="Consolas" panose="020B0609020204030204" pitchFamily="49" charset="0"/>
+              </a:rPr>
+              <a:t>);</a:t>
+            </a:r>
+          </a:p>
+          <a:p>
+            <a:pPr marL="0" indent="0">
+              <a:buNone/>
+            </a:pPr>
+            <a:r>
+              <a:rPr lang="en-IN" b="0" dirty="0">
+                <a:solidFill>
+                  <a:srgbClr val="CCCCCC"/>
+                </a:solidFill>
+                <a:effectLst/>
+                <a:latin typeface="Consolas" panose="020B0609020204030204" pitchFamily="49" charset="0"/>
+              </a:rPr>
+              <a:t>}</a:t>
+            </a:r>
+          </a:p>
+          <a:p>
+            <a:pPr marL="0" indent="0">
+              <a:buNone/>
+            </a:pPr>
+            <a:r>
+              <a:rPr lang="en-IN" b="0" dirty="0">
+                <a:solidFill>
+                  <a:srgbClr val="B0EC38"/>
+                </a:solidFill>
+                <a:effectLst/>
+                <a:latin typeface="Consolas" panose="020B0609020204030204" pitchFamily="49" charset="0"/>
+              </a:rPr>
+              <a:t>increment</a:t>
+            </a:r>
+            <a:r>
+              <a:rPr lang="en-IN" b="0" dirty="0">
+                <a:solidFill>
+                  <a:srgbClr val="CCCCCC"/>
+                </a:solidFill>
+                <a:effectLst/>
+                <a:latin typeface="Consolas" panose="020B0609020204030204" pitchFamily="49" charset="0"/>
+              </a:rPr>
+              <a:t>();</a:t>
+            </a:r>
+          </a:p>
+          <a:p>
+            <a:pPr marL="0" indent="0">
+              <a:buNone/>
+            </a:pPr>
+            <a:r>
+              <a:rPr lang="en-IN" b="0" dirty="0" err="1">
+                <a:solidFill>
+                  <a:srgbClr val="CCCCCC"/>
+                </a:solidFill>
+                <a:effectLst/>
+                <a:latin typeface="Consolas" panose="020B0609020204030204" pitchFamily="49" charset="0"/>
+              </a:rPr>
+              <a:t>num</a:t>
+            </a:r>
+            <a:r>
+              <a:rPr lang="en-IN" b="0" dirty="0">
+                <a:solidFill>
+                  <a:srgbClr val="CCCCCC"/>
+                </a:solidFill>
+                <a:effectLst/>
+                <a:latin typeface="Consolas" panose="020B0609020204030204" pitchFamily="49" charset="0"/>
+              </a:rPr>
+              <a:t> </a:t>
+            </a:r>
+            <a:r>
+              <a:rPr lang="en-IN" b="0" dirty="0">
+                <a:solidFill>
+                  <a:srgbClr val="F92672"/>
+                </a:solidFill>
+                <a:effectLst/>
+                <a:latin typeface="Consolas" panose="020B0609020204030204" pitchFamily="49" charset="0"/>
+              </a:rPr>
+              <a:t>+=</a:t>
+            </a:r>
+            <a:r>
+              <a:rPr lang="en-IN" b="0" dirty="0">
+                <a:solidFill>
+                  <a:srgbClr val="CCCCCC"/>
+                </a:solidFill>
+                <a:effectLst/>
+                <a:latin typeface="Consolas" panose="020B0609020204030204" pitchFamily="49" charset="0"/>
+              </a:rPr>
+              <a:t> </a:t>
+            </a:r>
+            <a:r>
+              <a:rPr lang="en-IN" b="0" dirty="0">
+                <a:solidFill>
+                  <a:srgbClr val="AE81FF"/>
+                </a:solidFill>
+                <a:effectLst/>
+                <a:latin typeface="Consolas" panose="020B0609020204030204" pitchFamily="49" charset="0"/>
+              </a:rPr>
+              <a:t>1</a:t>
+            </a:r>
+            <a:r>
+              <a:rPr lang="en-IN" b="0" dirty="0">
+                <a:solidFill>
+                  <a:srgbClr val="CCCCCC"/>
+                </a:solidFill>
+                <a:effectLst/>
+                <a:latin typeface="Consolas" panose="020B0609020204030204" pitchFamily="49" charset="0"/>
+              </a:rPr>
+              <a:t>;</a:t>
+            </a:r>
+          </a:p>
+          <a:p>
+            <a:pPr marL="0" indent="0">
+              <a:buNone/>
+            </a:pPr>
+            <a:r>
+              <a:rPr lang="en-IN" b="0" dirty="0">
+                <a:solidFill>
+                  <a:srgbClr val="CCCCCC"/>
+                </a:solidFill>
+                <a:effectLst/>
+                <a:latin typeface="Consolas" panose="020B0609020204030204" pitchFamily="49" charset="0"/>
+              </a:rPr>
+              <a:t>console</a:t>
+            </a:r>
+            <a:r>
+              <a:rPr lang="en-IN" b="0" dirty="0">
+                <a:solidFill>
+                  <a:srgbClr val="F92672"/>
+                </a:solidFill>
+                <a:effectLst/>
+                <a:latin typeface="Consolas" panose="020B0609020204030204" pitchFamily="49" charset="0"/>
+              </a:rPr>
+              <a:t>.</a:t>
+            </a:r>
+            <a:r>
+              <a:rPr lang="en-IN" b="0" dirty="0">
+                <a:solidFill>
+                  <a:srgbClr val="B0EC38"/>
+                </a:solidFill>
+                <a:effectLst/>
+                <a:latin typeface="Consolas" panose="020B0609020204030204" pitchFamily="49" charset="0"/>
+              </a:rPr>
+              <a:t>log</a:t>
+            </a:r>
+            <a:r>
+              <a:rPr lang="en-IN" b="0" dirty="0">
+                <a:solidFill>
+                  <a:srgbClr val="CCCCCC"/>
+                </a:solidFill>
+                <a:effectLst/>
+                <a:latin typeface="Consolas" panose="020B0609020204030204" pitchFamily="49" charset="0"/>
+              </a:rPr>
+              <a:t>(</a:t>
+            </a:r>
+            <a:r>
+              <a:rPr lang="en-IN" b="0" dirty="0" err="1">
+                <a:solidFill>
+                  <a:srgbClr val="CCCCCC"/>
+                </a:solidFill>
+                <a:effectLst/>
+                <a:latin typeface="Consolas" panose="020B0609020204030204" pitchFamily="49" charset="0"/>
+              </a:rPr>
+              <a:t>num</a:t>
+            </a:r>
+            <a:r>
+              <a:rPr lang="en-IN" b="0" dirty="0">
+                <a:solidFill>
+                  <a:srgbClr val="CCCCCC"/>
+                </a:solidFill>
+                <a:effectLst/>
+                <a:latin typeface="Consolas" panose="020B0609020204030204" pitchFamily="49" charset="0"/>
+              </a:rPr>
+              <a:t>);</a:t>
+            </a:r>
+          </a:p>
+          <a:p>
+            <a:endParaRPr lang="en-IN" dirty="0"/>
           </a:p>
         </p:txBody>
       </p:sp>
@@ -4498,6 +6620,123 @@
     <p:extLst>
       <p:ext uri="{BB962C8B-B14F-4D97-AF65-F5344CB8AC3E}">
         <p14:creationId xmlns:p14="http://schemas.microsoft.com/office/powerpoint/2010/main" val="1857640680"/>
+      </p:ext>
+    </p:extLst>
+  </p:cSld>
+  <p:clrMapOvr>
+    <a:masterClrMapping/>
+  </p:clrMapOvr>
+</p:sld>
+</file>
+
+<file path=ppt/slides/slide17.xml><?xml version="1.0" encoding="utf-8"?>
+<p:sld xmlns:a="http://schemas.openxmlformats.org/drawingml/2006/main" xmlns:r="http://schemas.openxmlformats.org/officeDocument/2006/relationships" xmlns:p="http://schemas.openxmlformats.org/presentationml/2006/main">
+  <p:cSld>
+    <p:spTree>
+      <p:nvGrpSpPr>
+        <p:cNvPr id="1" name=""/>
+        <p:cNvGrpSpPr/>
+        <p:nvPr/>
+      </p:nvGrpSpPr>
+      <p:grpSpPr>
+        <a:xfrm>
+          <a:off x="0" y="0"/>
+          <a:ext cx="0" cy="0"/>
+          <a:chOff x="0" y="0"/>
+          <a:chExt cx="0" cy="0"/>
+        </a:xfrm>
+      </p:grpSpPr>
+      <p:sp>
+        <p:nvSpPr>
+          <p:cNvPr id="2" name="Title 1">
+            <a:extLst>
+              <a:ext uri="{FF2B5EF4-FFF2-40B4-BE49-F238E27FC236}">
+                <a16:creationId xmlns:a16="http://schemas.microsoft.com/office/drawing/2014/main" id="{4ADA269C-0440-4FF4-B68E-BF1034522BF2}"/>
+              </a:ext>
+            </a:extLst>
+          </p:cNvPr>
+          <p:cNvSpPr>
+            <a:spLocks noGrp="1"/>
+          </p:cNvSpPr>
+          <p:nvPr>
+            <p:ph type="title"/>
+          </p:nvPr>
+        </p:nvSpPr>
+        <p:spPr/>
+        <p:txBody>
+          <a:bodyPr/>
+          <a:lstStyle/>
+          <a:p>
+            <a:r>
+              <a:rPr lang="en-US" dirty="0"/>
+              <a:t>Bonus Question!</a:t>
+            </a:r>
+            <a:endParaRPr lang="en-IN" dirty="0"/>
+          </a:p>
+        </p:txBody>
+      </p:sp>
+      <p:pic>
+        <p:nvPicPr>
+          <p:cNvPr id="7" name="Content Placeholder 6">
+            <a:extLst>
+              <a:ext uri="{FF2B5EF4-FFF2-40B4-BE49-F238E27FC236}">
+                <a16:creationId xmlns:a16="http://schemas.microsoft.com/office/drawing/2014/main" id="{A4F963C4-F1AF-470A-A869-05085C2303A5}"/>
+              </a:ext>
+            </a:extLst>
+          </p:cNvPr>
+          <p:cNvPicPr>
+            <a:picLocks noGrp="1" noChangeAspect="1"/>
+          </p:cNvPicPr>
+          <p:nvPr>
+            <p:ph idx="1"/>
+          </p:nvPr>
+        </p:nvPicPr>
+        <p:blipFill>
+          <a:blip r:embed="rId2"/>
+          <a:stretch>
+            <a:fillRect/>
+          </a:stretch>
+        </p:blipFill>
+        <p:spPr>
+          <a:xfrm>
+            <a:off x="2063552" y="476672"/>
+            <a:ext cx="3761033" cy="5783860"/>
+          </a:xfrm>
+        </p:spPr>
+      </p:pic>
+      <p:sp>
+        <p:nvSpPr>
+          <p:cNvPr id="5" name="Text Placeholder 4">
+            <a:extLst>
+              <a:ext uri="{FF2B5EF4-FFF2-40B4-BE49-F238E27FC236}">
+                <a16:creationId xmlns:a16="http://schemas.microsoft.com/office/drawing/2014/main" id="{21979A41-507E-43A6-B537-E2932C9E3E69}"/>
+              </a:ext>
+            </a:extLst>
+          </p:cNvPr>
+          <p:cNvSpPr>
+            <a:spLocks noGrp="1"/>
+          </p:cNvSpPr>
+          <p:nvPr>
+            <p:ph type="body" sz="half" idx="2"/>
+          </p:nvPr>
+        </p:nvSpPr>
+        <p:spPr/>
+        <p:txBody>
+          <a:bodyPr/>
+          <a:lstStyle/>
+          <a:p>
+            <a:r>
+              <a:rPr lang="en-US" dirty="0"/>
+              <a:t>Find ye output mates</a:t>
+            </a:r>
+            <a:endParaRPr lang="en-IN" dirty="0"/>
+          </a:p>
+        </p:txBody>
+      </p:sp>
+    </p:spTree>
+    <p:extLst>
+      <p:ext uri="{BB962C8B-B14F-4D97-AF65-F5344CB8AC3E}">
+        <p14:creationId xmlns:p14="http://schemas.microsoft.com/office/powerpoint/2010/main" val="22617242"/>
       </p:ext>
     </p:extLst>
   </p:cSld>
@@ -5770,7 +8009,10 @@
             </a:r>
           </a:p>
           <a:p>
-            <a:endParaRPr lang="en-IN" dirty="0"/>
+            <a:r>
+              <a:rPr lang="en-IN" dirty="0"/>
+              <a:t>Hence we come back to log second after we’ve finished 2 seconds, but in the meantime “Hello again!” is logged (rest of the program goes in flow)</a:t>
+            </a:r>
           </a:p>
         </p:txBody>
       </p:sp>
@@ -7267,33 +9509,10 @@
       </p:grpSpPr>
       <p:sp>
         <p:nvSpPr>
-          <p:cNvPr id="2" name="Title 1"/>
-          <p:cNvSpPr>
-            <a:spLocks noGrp="1"/>
-          </p:cNvSpPr>
-          <p:nvPr>
-            <p:ph type="title"/>
-          </p:nvPr>
-        </p:nvSpPr>
-        <p:spPr/>
-        <p:txBody>
-          <a:bodyPr/>
-          <a:lstStyle/>
-          <a:p>
-            <a:r>
-              <a:rPr lang="en-US" dirty="0"/>
-              <a:t>Creating a promise</a:t>
-            </a:r>
-            <a:endParaRPr dirty="0"/>
-          </a:p>
-        </p:txBody>
-      </p:sp>
-      <p:sp>
-        <p:nvSpPr>
-          <p:cNvPr id="7" name="Content Placeholder 6">
+          <p:cNvPr id="5" name="Title 4">
             <a:extLst>
               <a:ext uri="{FF2B5EF4-FFF2-40B4-BE49-F238E27FC236}">
-                <a16:creationId xmlns:a16="http://schemas.microsoft.com/office/drawing/2014/main" id="{BB7E62B1-C439-4F95-A85C-8F55B2DE9B73}"/>
+                <a16:creationId xmlns:a16="http://schemas.microsoft.com/office/drawing/2014/main" id="{DA82A911-94DD-4AB3-971E-6E956B4C7958}"/>
               </a:ext>
             </a:extLst>
           </p:cNvPr>
@@ -7301,593 +9520,28 @@
             <a:spLocks noGrp="1"/>
           </p:cNvSpPr>
           <p:nvPr>
-            <p:ph sz="half" idx="1"/>
+            <p:ph type="title"/>
           </p:nvPr>
         </p:nvSpPr>
         <p:spPr/>
         <p:txBody>
-          <a:bodyPr>
-            <a:normAutofit fontScale="70000" lnSpcReduction="20000"/>
-          </a:bodyPr>
+          <a:bodyPr/>
           <a:lstStyle/>
           <a:p>
-            <a:pPr marL="0" indent="0">
-              <a:buNone/>
-            </a:pPr>
-            <a:r>
-              <a:rPr lang="en-US" b="0" dirty="0">
-                <a:solidFill>
-                  <a:srgbClr val="49E0FD"/>
-                </a:solidFill>
-                <a:effectLst/>
-                <a:latin typeface="Consolas" panose="020B0609020204030204" pitchFamily="49" charset="0"/>
-              </a:rPr>
-              <a:t>let</a:t>
-            </a:r>
-            <a:r>
-              <a:rPr lang="en-US" b="0" dirty="0">
-                <a:solidFill>
-                  <a:srgbClr val="CCCCCC"/>
-                </a:solidFill>
-                <a:effectLst/>
-                <a:latin typeface="Consolas" panose="020B0609020204030204" pitchFamily="49" charset="0"/>
-              </a:rPr>
-              <a:t> done </a:t>
-            </a:r>
-            <a:r>
-              <a:rPr lang="en-US" b="0" dirty="0">
-                <a:solidFill>
-                  <a:srgbClr val="F92672"/>
-                </a:solidFill>
-                <a:effectLst/>
-                <a:latin typeface="Consolas" panose="020B0609020204030204" pitchFamily="49" charset="0"/>
-              </a:rPr>
-              <a:t>=</a:t>
-            </a:r>
-            <a:r>
-              <a:rPr lang="en-US" b="0" dirty="0">
-                <a:solidFill>
-                  <a:srgbClr val="CCCCCC"/>
-                </a:solidFill>
-                <a:effectLst/>
-                <a:latin typeface="Consolas" panose="020B0609020204030204" pitchFamily="49" charset="0"/>
-              </a:rPr>
-              <a:t> </a:t>
-            </a:r>
-            <a:r>
-              <a:rPr lang="en-US" b="0" dirty="0">
-                <a:solidFill>
-                  <a:srgbClr val="AE81FF"/>
-                </a:solidFill>
-                <a:effectLst/>
-                <a:latin typeface="Consolas" panose="020B0609020204030204" pitchFamily="49" charset="0"/>
-              </a:rPr>
-              <a:t>true;</a:t>
-            </a:r>
-            <a:endParaRPr lang="en-US" b="0" dirty="0">
-              <a:solidFill>
-                <a:srgbClr val="CCCCCC"/>
-              </a:solidFill>
-              <a:effectLst/>
-              <a:latin typeface="Consolas" panose="020B0609020204030204" pitchFamily="49" charset="0"/>
-            </a:endParaRPr>
-          </a:p>
-          <a:p>
-            <a:pPr marL="0" indent="0">
-              <a:buNone/>
-            </a:pPr>
-            <a:br>
-              <a:rPr lang="en-US" b="0" dirty="0">
-                <a:solidFill>
-                  <a:srgbClr val="CCCCCC"/>
-                </a:solidFill>
-                <a:effectLst/>
-                <a:latin typeface="Consolas" panose="020B0609020204030204" pitchFamily="49" charset="0"/>
-              </a:rPr>
-            </a:br>
-            <a:r>
-              <a:rPr lang="en-US" b="0" dirty="0">
-                <a:solidFill>
-                  <a:srgbClr val="49E0FD"/>
-                </a:solidFill>
-                <a:effectLst/>
-                <a:latin typeface="Consolas" panose="020B0609020204030204" pitchFamily="49" charset="0"/>
-              </a:rPr>
-              <a:t>const</a:t>
-            </a:r>
-            <a:r>
-              <a:rPr lang="en-US" b="0" dirty="0">
-                <a:solidFill>
-                  <a:srgbClr val="CCCCCC"/>
-                </a:solidFill>
-                <a:effectLst/>
-                <a:latin typeface="Consolas" panose="020B0609020204030204" pitchFamily="49" charset="0"/>
-              </a:rPr>
-              <a:t> </a:t>
-            </a:r>
-            <a:r>
-              <a:rPr lang="en-US" b="0" dirty="0" err="1">
-                <a:solidFill>
-                  <a:srgbClr val="CCCCCC"/>
-                </a:solidFill>
-                <a:effectLst/>
-                <a:latin typeface="Consolas" panose="020B0609020204030204" pitchFamily="49" charset="0"/>
-              </a:rPr>
-              <a:t>isItDoneYet</a:t>
-            </a:r>
-            <a:r>
-              <a:rPr lang="en-US" b="0" dirty="0">
-                <a:solidFill>
-                  <a:srgbClr val="CCCCCC"/>
-                </a:solidFill>
-                <a:effectLst/>
-                <a:latin typeface="Consolas" panose="020B0609020204030204" pitchFamily="49" charset="0"/>
-              </a:rPr>
-              <a:t> </a:t>
-            </a:r>
-            <a:r>
-              <a:rPr lang="en-US" b="0" dirty="0">
-                <a:solidFill>
-                  <a:srgbClr val="F92672"/>
-                </a:solidFill>
-                <a:effectLst/>
-                <a:latin typeface="Consolas" panose="020B0609020204030204" pitchFamily="49" charset="0"/>
-              </a:rPr>
-              <a:t>=</a:t>
-            </a:r>
-            <a:r>
-              <a:rPr lang="en-US" b="0" dirty="0">
-                <a:solidFill>
-                  <a:srgbClr val="CCCCCC"/>
-                </a:solidFill>
-                <a:effectLst/>
-                <a:latin typeface="Consolas" panose="020B0609020204030204" pitchFamily="49" charset="0"/>
-              </a:rPr>
-              <a:t> </a:t>
-            </a:r>
-            <a:r>
-              <a:rPr lang="en-US" b="0" dirty="0">
-                <a:solidFill>
-                  <a:srgbClr val="F92672"/>
-                </a:solidFill>
-                <a:effectLst/>
-                <a:latin typeface="Consolas" panose="020B0609020204030204" pitchFamily="49" charset="0"/>
-              </a:rPr>
-              <a:t>new</a:t>
-            </a:r>
-            <a:r>
-              <a:rPr lang="en-US" b="0" dirty="0">
-                <a:solidFill>
-                  <a:srgbClr val="CCCCCC"/>
-                </a:solidFill>
-                <a:effectLst/>
-                <a:latin typeface="Consolas" panose="020B0609020204030204" pitchFamily="49" charset="0"/>
-              </a:rPr>
-              <a:t> </a:t>
-            </a:r>
-            <a:r>
-              <a:rPr lang="en-US" b="0" dirty="0">
-                <a:solidFill>
-                  <a:srgbClr val="2BE98A"/>
-                </a:solidFill>
-                <a:effectLst/>
-                <a:latin typeface="Consolas" panose="020B0609020204030204" pitchFamily="49" charset="0"/>
-              </a:rPr>
-              <a:t>Promise</a:t>
-            </a:r>
-            <a:r>
-              <a:rPr lang="en-US" b="0" dirty="0">
-                <a:solidFill>
-                  <a:srgbClr val="CCCCCC"/>
-                </a:solidFill>
-                <a:effectLst/>
-                <a:latin typeface="Consolas" panose="020B0609020204030204" pitchFamily="49" charset="0"/>
-              </a:rPr>
-              <a:t>((resolve</a:t>
-            </a:r>
-            <a:r>
-              <a:rPr lang="en-US" b="0" dirty="0">
-                <a:solidFill>
-                  <a:srgbClr val="F92672"/>
-                </a:solidFill>
-                <a:effectLst/>
-                <a:latin typeface="Consolas" panose="020B0609020204030204" pitchFamily="49" charset="0"/>
-              </a:rPr>
-              <a:t>,</a:t>
-            </a:r>
-            <a:r>
-              <a:rPr lang="en-US" b="0" dirty="0">
-                <a:solidFill>
-                  <a:srgbClr val="CCCCCC"/>
-                </a:solidFill>
-                <a:effectLst/>
-                <a:latin typeface="Consolas" panose="020B0609020204030204" pitchFamily="49" charset="0"/>
-              </a:rPr>
-              <a:t> reject) </a:t>
-            </a:r>
-            <a:r>
-              <a:rPr lang="en-US" b="0" dirty="0">
-                <a:solidFill>
-                  <a:srgbClr val="F92672"/>
-                </a:solidFill>
-                <a:effectLst/>
-                <a:latin typeface="Consolas" panose="020B0609020204030204" pitchFamily="49" charset="0"/>
-              </a:rPr>
-              <a:t>=&gt;</a:t>
-            </a:r>
-            <a:r>
-              <a:rPr lang="en-US" b="0" dirty="0">
-                <a:solidFill>
-                  <a:srgbClr val="CCCCCC"/>
-                </a:solidFill>
-                <a:effectLst/>
-                <a:latin typeface="Consolas" panose="020B0609020204030204" pitchFamily="49" charset="0"/>
-              </a:rPr>
-              <a:t> {</a:t>
-            </a:r>
-          </a:p>
-          <a:p>
-            <a:pPr marL="0" indent="0">
-              <a:buNone/>
-            </a:pPr>
-            <a:r>
-              <a:rPr lang="en-US" b="0" dirty="0">
-                <a:solidFill>
-                  <a:srgbClr val="CCCCCC"/>
-                </a:solidFill>
-                <a:effectLst/>
-                <a:latin typeface="Consolas" panose="020B0609020204030204" pitchFamily="49" charset="0"/>
-              </a:rPr>
-              <a:t>    </a:t>
-            </a:r>
-            <a:r>
-              <a:rPr lang="en-US" b="0" dirty="0">
-                <a:solidFill>
-                  <a:srgbClr val="F92672"/>
-                </a:solidFill>
-                <a:effectLst/>
-                <a:latin typeface="Consolas" panose="020B0609020204030204" pitchFamily="49" charset="0"/>
-              </a:rPr>
-              <a:t>if</a:t>
-            </a:r>
-            <a:r>
-              <a:rPr lang="en-US" b="0" dirty="0">
-                <a:solidFill>
-                  <a:srgbClr val="CCCCCC"/>
-                </a:solidFill>
-                <a:effectLst/>
-                <a:latin typeface="Consolas" panose="020B0609020204030204" pitchFamily="49" charset="0"/>
-              </a:rPr>
-              <a:t> (done) {</a:t>
-            </a:r>
-          </a:p>
-          <a:p>
-            <a:pPr marL="0" indent="0">
-              <a:buNone/>
-            </a:pPr>
-            <a:r>
-              <a:rPr lang="en-US" b="0" dirty="0">
-                <a:solidFill>
-                  <a:srgbClr val="CCCCCC"/>
-                </a:solidFill>
-                <a:effectLst/>
-                <a:latin typeface="Consolas" panose="020B0609020204030204" pitchFamily="49" charset="0"/>
-              </a:rPr>
-              <a:t>        </a:t>
-            </a:r>
-            <a:r>
-              <a:rPr lang="en-US" b="0" dirty="0">
-                <a:solidFill>
-                  <a:srgbClr val="49E0FD"/>
-                </a:solidFill>
-                <a:effectLst/>
-                <a:latin typeface="Consolas" panose="020B0609020204030204" pitchFamily="49" charset="0"/>
-              </a:rPr>
-              <a:t>const</a:t>
-            </a:r>
-            <a:r>
-              <a:rPr lang="en-US" b="0" dirty="0">
-                <a:solidFill>
-                  <a:srgbClr val="CCCCCC"/>
-                </a:solidFill>
-                <a:effectLst/>
-                <a:latin typeface="Consolas" panose="020B0609020204030204" pitchFamily="49" charset="0"/>
-              </a:rPr>
-              <a:t> </a:t>
-            </a:r>
-            <a:r>
-              <a:rPr lang="en-US" b="0" dirty="0" err="1">
-                <a:solidFill>
-                  <a:srgbClr val="CCCCCC"/>
-                </a:solidFill>
-                <a:effectLst/>
-                <a:latin typeface="Consolas" panose="020B0609020204030204" pitchFamily="49" charset="0"/>
-              </a:rPr>
-              <a:t>workDone</a:t>
-            </a:r>
-            <a:r>
-              <a:rPr lang="en-US" b="0" dirty="0">
-                <a:solidFill>
-                  <a:srgbClr val="CCCCCC"/>
-                </a:solidFill>
-                <a:effectLst/>
-                <a:latin typeface="Consolas" panose="020B0609020204030204" pitchFamily="49" charset="0"/>
-              </a:rPr>
-              <a:t> </a:t>
-            </a:r>
-            <a:r>
-              <a:rPr lang="en-US" b="0" dirty="0">
-                <a:solidFill>
-                  <a:srgbClr val="F92672"/>
-                </a:solidFill>
-                <a:effectLst/>
-                <a:latin typeface="Consolas" panose="020B0609020204030204" pitchFamily="49" charset="0"/>
-              </a:rPr>
-              <a:t>=</a:t>
-            </a:r>
-            <a:r>
-              <a:rPr lang="en-US" b="0" dirty="0">
-                <a:solidFill>
-                  <a:srgbClr val="CCCCCC"/>
-                </a:solidFill>
-                <a:effectLst/>
-                <a:latin typeface="Consolas" panose="020B0609020204030204" pitchFamily="49" charset="0"/>
-              </a:rPr>
-              <a:t> </a:t>
-            </a:r>
-            <a:r>
-              <a:rPr lang="en-US" b="0" dirty="0">
-                <a:solidFill>
-                  <a:srgbClr val="E6DB74"/>
-                </a:solidFill>
-                <a:effectLst/>
-                <a:latin typeface="Consolas" panose="020B0609020204030204" pitchFamily="49" charset="0"/>
-              </a:rPr>
-              <a:t>'Here is the thing I built’;</a:t>
-            </a:r>
-            <a:endParaRPr lang="en-US" b="0" dirty="0">
-              <a:solidFill>
-                <a:srgbClr val="CCCCCC"/>
-              </a:solidFill>
-              <a:effectLst/>
-              <a:latin typeface="Consolas" panose="020B0609020204030204" pitchFamily="49" charset="0"/>
-            </a:endParaRPr>
-          </a:p>
-          <a:p>
-            <a:pPr marL="0" indent="0">
-              <a:buNone/>
-            </a:pPr>
-            <a:r>
-              <a:rPr lang="en-US" b="0" dirty="0">
-                <a:solidFill>
-                  <a:srgbClr val="CCCCCC"/>
-                </a:solidFill>
-                <a:effectLst/>
-                <a:latin typeface="Consolas" panose="020B0609020204030204" pitchFamily="49" charset="0"/>
-              </a:rPr>
-              <a:t>        </a:t>
-            </a:r>
-            <a:r>
-              <a:rPr lang="en-US" b="0" dirty="0">
-                <a:solidFill>
-                  <a:srgbClr val="B0EC38"/>
-                </a:solidFill>
-                <a:effectLst/>
-                <a:latin typeface="Consolas" panose="020B0609020204030204" pitchFamily="49" charset="0"/>
-              </a:rPr>
-              <a:t>resolve</a:t>
-            </a:r>
-            <a:r>
-              <a:rPr lang="en-US" b="0" dirty="0">
-                <a:solidFill>
-                  <a:srgbClr val="CCCCCC"/>
-                </a:solidFill>
-                <a:effectLst/>
-                <a:latin typeface="Consolas" panose="020B0609020204030204" pitchFamily="49" charset="0"/>
-              </a:rPr>
-              <a:t>(</a:t>
-            </a:r>
-            <a:r>
-              <a:rPr lang="en-US" b="0" dirty="0" err="1">
-                <a:solidFill>
-                  <a:srgbClr val="CCCCCC"/>
-                </a:solidFill>
-                <a:effectLst/>
-                <a:latin typeface="Consolas" panose="020B0609020204030204" pitchFamily="49" charset="0"/>
-              </a:rPr>
-              <a:t>workDone</a:t>
-            </a:r>
-            <a:r>
-              <a:rPr lang="en-US" b="0" dirty="0">
-                <a:solidFill>
-                  <a:srgbClr val="CCCCCC"/>
-                </a:solidFill>
-                <a:effectLst/>
-                <a:latin typeface="Consolas" panose="020B0609020204030204" pitchFamily="49" charset="0"/>
-              </a:rPr>
-              <a:t>);</a:t>
-            </a:r>
-          </a:p>
-          <a:p>
-            <a:pPr marL="0" indent="0">
-              <a:buNone/>
-            </a:pPr>
-            <a:r>
-              <a:rPr lang="en-US" b="0" dirty="0">
-                <a:solidFill>
-                  <a:srgbClr val="CCCCCC"/>
-                </a:solidFill>
-                <a:effectLst/>
-                <a:latin typeface="Consolas" panose="020B0609020204030204" pitchFamily="49" charset="0"/>
-              </a:rPr>
-              <a:t>    } </a:t>
-            </a:r>
-            <a:r>
-              <a:rPr lang="en-US" b="0" dirty="0">
-                <a:solidFill>
-                  <a:srgbClr val="F92672"/>
-                </a:solidFill>
-                <a:effectLst/>
-                <a:latin typeface="Consolas" panose="020B0609020204030204" pitchFamily="49" charset="0"/>
-              </a:rPr>
-              <a:t>else</a:t>
-            </a:r>
-            <a:r>
-              <a:rPr lang="en-US" b="0" dirty="0">
-                <a:solidFill>
-                  <a:srgbClr val="CCCCCC"/>
-                </a:solidFill>
-                <a:effectLst/>
-                <a:latin typeface="Consolas" panose="020B0609020204030204" pitchFamily="49" charset="0"/>
-              </a:rPr>
-              <a:t> {</a:t>
-            </a:r>
-          </a:p>
-          <a:p>
-            <a:pPr marL="0" indent="0">
-              <a:buNone/>
-            </a:pPr>
-            <a:r>
-              <a:rPr lang="en-US" b="0" dirty="0">
-                <a:solidFill>
-                  <a:srgbClr val="CCCCCC"/>
-                </a:solidFill>
-                <a:effectLst/>
-                <a:latin typeface="Consolas" panose="020B0609020204030204" pitchFamily="49" charset="0"/>
-              </a:rPr>
-              <a:t>        </a:t>
-            </a:r>
-            <a:r>
-              <a:rPr lang="en-US" b="0" dirty="0">
-                <a:solidFill>
-                  <a:srgbClr val="49E0FD"/>
-                </a:solidFill>
-                <a:effectLst/>
-                <a:latin typeface="Consolas" panose="020B0609020204030204" pitchFamily="49" charset="0"/>
-              </a:rPr>
-              <a:t>const</a:t>
-            </a:r>
-            <a:r>
-              <a:rPr lang="en-US" b="0" dirty="0">
-                <a:solidFill>
-                  <a:srgbClr val="CCCCCC"/>
-                </a:solidFill>
-                <a:effectLst/>
-                <a:latin typeface="Consolas" panose="020B0609020204030204" pitchFamily="49" charset="0"/>
-              </a:rPr>
-              <a:t> why </a:t>
-            </a:r>
-            <a:r>
-              <a:rPr lang="en-US" b="0" dirty="0">
-                <a:solidFill>
-                  <a:srgbClr val="F92672"/>
-                </a:solidFill>
-                <a:effectLst/>
-                <a:latin typeface="Consolas" panose="020B0609020204030204" pitchFamily="49" charset="0"/>
-              </a:rPr>
-              <a:t>=</a:t>
-            </a:r>
-            <a:r>
-              <a:rPr lang="en-US" b="0" dirty="0">
-                <a:solidFill>
-                  <a:srgbClr val="CCCCCC"/>
-                </a:solidFill>
-                <a:effectLst/>
-                <a:latin typeface="Consolas" panose="020B0609020204030204" pitchFamily="49" charset="0"/>
-              </a:rPr>
-              <a:t> </a:t>
-            </a:r>
-            <a:r>
-              <a:rPr lang="en-US" b="0" dirty="0">
-                <a:solidFill>
-                  <a:srgbClr val="E6DB74"/>
-                </a:solidFill>
-                <a:effectLst/>
-                <a:latin typeface="Consolas" panose="020B0609020204030204" pitchFamily="49" charset="0"/>
-              </a:rPr>
-              <a:t>'Still working on something else’;</a:t>
-            </a:r>
-            <a:endParaRPr lang="en-US" b="0" dirty="0">
-              <a:solidFill>
-                <a:srgbClr val="CCCCCC"/>
-              </a:solidFill>
-              <a:effectLst/>
-              <a:latin typeface="Consolas" panose="020B0609020204030204" pitchFamily="49" charset="0"/>
-            </a:endParaRPr>
-          </a:p>
-          <a:p>
-            <a:pPr marL="0" indent="0">
-              <a:buNone/>
-            </a:pPr>
-            <a:r>
-              <a:rPr lang="en-US" b="0" dirty="0">
-                <a:solidFill>
-                  <a:srgbClr val="CCCCCC"/>
-                </a:solidFill>
-                <a:effectLst/>
-                <a:latin typeface="Consolas" panose="020B0609020204030204" pitchFamily="49" charset="0"/>
-              </a:rPr>
-              <a:t>        </a:t>
-            </a:r>
-            <a:r>
-              <a:rPr lang="en-US" b="0" dirty="0">
-                <a:solidFill>
-                  <a:srgbClr val="B0EC38"/>
-                </a:solidFill>
-                <a:effectLst/>
-                <a:latin typeface="Consolas" panose="020B0609020204030204" pitchFamily="49" charset="0"/>
-              </a:rPr>
-              <a:t>reject</a:t>
-            </a:r>
-            <a:r>
-              <a:rPr lang="en-US" b="0" dirty="0">
-                <a:solidFill>
-                  <a:srgbClr val="CCCCCC"/>
-                </a:solidFill>
-                <a:effectLst/>
-                <a:latin typeface="Consolas" panose="020B0609020204030204" pitchFamily="49" charset="0"/>
-              </a:rPr>
-              <a:t>(why);</a:t>
-            </a:r>
-          </a:p>
-          <a:p>
-            <a:pPr marL="0" indent="0">
-              <a:buNone/>
-            </a:pPr>
-            <a:r>
-              <a:rPr lang="en-US" b="0" dirty="0">
-                <a:solidFill>
-                  <a:srgbClr val="CCCCCC"/>
-                </a:solidFill>
-                <a:effectLst/>
-                <a:latin typeface="Consolas" panose="020B0609020204030204" pitchFamily="49" charset="0"/>
-              </a:rPr>
-              <a:t>    }</a:t>
-            </a:r>
-          </a:p>
-          <a:p>
-            <a:pPr marL="0" indent="0">
-              <a:buNone/>
-            </a:pPr>
-            <a:r>
-              <a:rPr lang="en-US" b="0" dirty="0">
-                <a:solidFill>
-                  <a:srgbClr val="CCCCCC"/>
-                </a:solidFill>
-                <a:effectLst/>
-                <a:latin typeface="Consolas" panose="020B0609020204030204" pitchFamily="49" charset="0"/>
-              </a:rPr>
-              <a:t>})</a:t>
-            </a:r>
-          </a:p>
-        </p:txBody>
-      </p:sp>
-      <p:sp>
-        <p:nvSpPr>
-          <p:cNvPr id="10" name="Content Placeholder 9">
+            <a:r>
+              <a:rPr lang="en-US" dirty="0"/>
+              <a:t>Promise- in layman terms (a convo)</a:t>
+            </a:r>
+            <a:endParaRPr lang="en-IN" dirty="0"/>
+          </a:p>
+        </p:txBody>
+      </p:sp>
+      <p:sp>
+        <p:nvSpPr>
+          <p:cNvPr id="6" name="Content Placeholder 5">
             <a:extLst>
               <a:ext uri="{FF2B5EF4-FFF2-40B4-BE49-F238E27FC236}">
-                <a16:creationId xmlns:a16="http://schemas.microsoft.com/office/drawing/2014/main" id="{76573A1E-14FE-49A2-A2F3-D28E55712231}"/>
+                <a16:creationId xmlns:a16="http://schemas.microsoft.com/office/drawing/2014/main" id="{B7273E8E-6A5F-44EF-A74E-3E1501B90872}"/>
               </a:ext>
             </a:extLst>
           </p:cNvPr>
@@ -7895,46 +9549,56 @@
             <a:spLocks noGrp="1"/>
           </p:cNvSpPr>
           <p:nvPr>
-            <p:ph sz="half" idx="2"/>
+            <p:ph idx="1"/>
           </p:nvPr>
         </p:nvSpPr>
         <p:spPr/>
         <p:txBody>
-          <a:bodyPr>
-            <a:normAutofit fontScale="70000" lnSpcReduction="20000"/>
-          </a:bodyPr>
+          <a:bodyPr/>
           <a:lstStyle/>
           <a:p>
             <a:r>
-              <a:rPr lang="en-US" sz="2900" dirty="0"/>
-              <a:t>A promise can be compared to a proxy for a value that will eventually becomes available</a:t>
-            </a:r>
-          </a:p>
-          <a:p>
-            <a:r>
-              <a:rPr lang="en-US" sz="2900" dirty="0"/>
-              <a:t>Once a promise has been called, it will start in a pending state. This means that the calling function continues executing, while the promise is pending until it resolves, giving the calling function whatever data was being requested.</a:t>
-            </a:r>
-          </a:p>
-          <a:p>
-            <a:r>
-              <a:rPr lang="en-US" sz="2900" dirty="0"/>
-              <a:t>The created promise will eventually end in a resolved state, or in a rejected state, calling the respective callback functions (passed to then and catch) upon finishing.</a:t>
-            </a:r>
-          </a:p>
-          <a:p>
-            <a:r>
-              <a:rPr lang="en-US" sz="2900" dirty="0"/>
-              <a:t>Hence a substitute to callback</a:t>
-            </a:r>
-            <a:endParaRPr lang="en-IN" sz="2900" dirty="0"/>
+              <a:rPr lang="en-US" dirty="0"/>
+              <a:t>A: can you get me item1 from the market?</a:t>
+            </a:r>
+          </a:p>
+          <a:p>
+            <a:r>
+              <a:rPr lang="en-US" dirty="0"/>
+              <a:t>B: Sure</a:t>
+            </a:r>
+          </a:p>
+          <a:p>
+            <a:r>
+              <a:rPr lang="en-US" dirty="0"/>
+              <a:t>A: While you do that, I’ll check for item2 in my room (asynchronous code, main stack being run) but do let me know if you have item1 (promise return)</a:t>
+            </a:r>
+          </a:p>
+          <a:p>
+            <a:r>
+              <a:rPr lang="en-US" dirty="0"/>
+              <a:t>B: What if I don’t find you when I come back?</a:t>
+            </a:r>
+          </a:p>
+          <a:p>
+            <a:r>
+              <a:rPr lang="en-US" dirty="0"/>
+              <a:t>A: In that case, drop me a message and tell me the status (success or failure callback)</a:t>
+            </a:r>
+          </a:p>
+          <a:p>
+            <a:r>
+              <a:rPr lang="en-US" dirty="0"/>
+              <a:t>B: Sounds good! Let’s do it then</a:t>
+            </a:r>
+            <a:endParaRPr lang="en-IN" dirty="0"/>
           </a:p>
         </p:txBody>
       </p:sp>
     </p:spTree>
     <p:extLst>
       <p:ext uri="{BB962C8B-B14F-4D97-AF65-F5344CB8AC3E}">
-        <p14:creationId xmlns:p14="http://schemas.microsoft.com/office/powerpoint/2010/main" val="1475842300"/>
+        <p14:creationId xmlns:p14="http://schemas.microsoft.com/office/powerpoint/2010/main" val="1413012763"/>
       </p:ext>
     </p:extLst>
   </p:cSld>
@@ -7963,10 +9627,33 @@
       </p:grpSpPr>
       <p:sp>
         <p:nvSpPr>
-          <p:cNvPr id="2" name="Title 1">
+          <p:cNvPr id="2" name="Title 1"/>
+          <p:cNvSpPr>
+            <a:spLocks noGrp="1"/>
+          </p:cNvSpPr>
+          <p:nvPr>
+            <p:ph type="title"/>
+          </p:nvPr>
+        </p:nvSpPr>
+        <p:spPr/>
+        <p:txBody>
+          <a:bodyPr/>
+          <a:lstStyle/>
+          <a:p>
+            <a:r>
+              <a:rPr lang="en-US" dirty="0"/>
+              <a:t>Creating a promise</a:t>
+            </a:r>
+            <a:endParaRPr dirty="0"/>
+          </a:p>
+        </p:txBody>
+      </p:sp>
+      <p:sp>
+        <p:nvSpPr>
+          <p:cNvPr id="7" name="Content Placeholder 6">
             <a:extLst>
               <a:ext uri="{FF2B5EF4-FFF2-40B4-BE49-F238E27FC236}">
-                <a16:creationId xmlns:a16="http://schemas.microsoft.com/office/drawing/2014/main" id="{0DF73580-B369-4FA7-B7F5-FA09B505D9CF}"/>
+                <a16:creationId xmlns:a16="http://schemas.microsoft.com/office/drawing/2014/main" id="{BB7E62B1-C439-4F95-A85C-8F55B2DE9B73}"/>
               </a:ext>
             </a:extLst>
           </p:cNvPr>
@@ -7974,28 +9661,586 @@
             <a:spLocks noGrp="1"/>
           </p:cNvSpPr>
           <p:nvPr>
-            <p:ph type="title"/>
+            <p:ph sz="half" idx="1"/>
           </p:nvPr>
         </p:nvSpPr>
         <p:spPr/>
         <p:txBody>
-          <a:bodyPr/>
+          <a:bodyPr>
+            <a:normAutofit fontScale="70000" lnSpcReduction="20000"/>
+          </a:bodyPr>
           <a:lstStyle/>
           <a:p>
-            <a:r>
-              <a:rPr lang="en-US" dirty="0"/>
-              <a:t>Consuming a promise</a:t>
-            </a:r>
-            <a:endParaRPr lang="en-IN" dirty="0"/>
-          </a:p>
-        </p:txBody>
-      </p:sp>
-      <p:sp>
-        <p:nvSpPr>
-          <p:cNvPr id="4" name="Content Placeholder 3">
+            <a:pPr marL="0" indent="0">
+              <a:buNone/>
+            </a:pPr>
+            <a:r>
+              <a:rPr lang="en-US" b="0" dirty="0">
+                <a:solidFill>
+                  <a:srgbClr val="49E0FD"/>
+                </a:solidFill>
+                <a:effectLst/>
+                <a:latin typeface="Consolas" panose="020B0609020204030204" pitchFamily="49" charset="0"/>
+              </a:rPr>
+              <a:t>let</a:t>
+            </a:r>
+            <a:r>
+              <a:rPr lang="en-US" b="0" dirty="0">
+                <a:solidFill>
+                  <a:srgbClr val="CCCCCC"/>
+                </a:solidFill>
+                <a:effectLst/>
+                <a:latin typeface="Consolas" panose="020B0609020204030204" pitchFamily="49" charset="0"/>
+              </a:rPr>
+              <a:t> done </a:t>
+            </a:r>
+            <a:r>
+              <a:rPr lang="en-US" b="0" dirty="0">
+                <a:solidFill>
+                  <a:srgbClr val="F92672"/>
+                </a:solidFill>
+                <a:effectLst/>
+                <a:latin typeface="Consolas" panose="020B0609020204030204" pitchFamily="49" charset="0"/>
+              </a:rPr>
+              <a:t>=</a:t>
+            </a:r>
+            <a:r>
+              <a:rPr lang="en-US" b="0" dirty="0">
+                <a:solidFill>
+                  <a:srgbClr val="CCCCCC"/>
+                </a:solidFill>
+                <a:effectLst/>
+                <a:latin typeface="Consolas" panose="020B0609020204030204" pitchFamily="49" charset="0"/>
+              </a:rPr>
+              <a:t> </a:t>
+            </a:r>
+            <a:r>
+              <a:rPr lang="en-US" b="0" dirty="0">
+                <a:solidFill>
+                  <a:srgbClr val="AE81FF"/>
+                </a:solidFill>
+                <a:effectLst/>
+                <a:latin typeface="Consolas" panose="020B0609020204030204" pitchFamily="49" charset="0"/>
+              </a:rPr>
+              <a:t>true;</a:t>
+            </a:r>
+          </a:p>
+          <a:p>
+            <a:pPr marL="0" indent="0">
+              <a:buNone/>
+            </a:pPr>
+            <a:br>
+              <a:rPr lang="en-US" b="0" dirty="0">
+                <a:solidFill>
+                  <a:srgbClr val="CCCCCC"/>
+                </a:solidFill>
+                <a:effectLst/>
+                <a:latin typeface="Consolas" panose="020B0609020204030204" pitchFamily="49" charset="0"/>
+              </a:rPr>
+            </a:br>
+            <a:r>
+              <a:rPr lang="en-US" b="0" dirty="0">
+                <a:solidFill>
+                  <a:srgbClr val="49E0FD"/>
+                </a:solidFill>
+                <a:effectLst/>
+                <a:latin typeface="Consolas" panose="020B0609020204030204" pitchFamily="49" charset="0"/>
+              </a:rPr>
+              <a:t>const</a:t>
+            </a:r>
+            <a:r>
+              <a:rPr lang="en-US" b="0" dirty="0">
+                <a:solidFill>
+                  <a:srgbClr val="CCCCCC"/>
+                </a:solidFill>
+                <a:effectLst/>
+                <a:latin typeface="Consolas" panose="020B0609020204030204" pitchFamily="49" charset="0"/>
+              </a:rPr>
+              <a:t> </a:t>
+            </a:r>
+            <a:r>
+              <a:rPr lang="en-US" b="0" dirty="0" err="1">
+                <a:solidFill>
+                  <a:srgbClr val="CCCCCC"/>
+                </a:solidFill>
+                <a:effectLst/>
+                <a:latin typeface="Consolas" panose="020B0609020204030204" pitchFamily="49" charset="0"/>
+              </a:rPr>
+              <a:t>isItDoneYet</a:t>
+            </a:r>
+            <a:r>
+              <a:rPr lang="en-US" b="0" dirty="0">
+                <a:solidFill>
+                  <a:srgbClr val="CCCCCC"/>
+                </a:solidFill>
+                <a:effectLst/>
+                <a:latin typeface="Consolas" panose="020B0609020204030204" pitchFamily="49" charset="0"/>
+              </a:rPr>
+              <a:t> </a:t>
+            </a:r>
+            <a:r>
+              <a:rPr lang="en-US" b="0" dirty="0">
+                <a:solidFill>
+                  <a:srgbClr val="F92672"/>
+                </a:solidFill>
+                <a:effectLst/>
+                <a:latin typeface="Consolas" panose="020B0609020204030204" pitchFamily="49" charset="0"/>
+              </a:rPr>
+              <a:t>=</a:t>
+            </a:r>
+            <a:r>
+              <a:rPr lang="en-US" b="0" dirty="0">
+                <a:solidFill>
+                  <a:srgbClr val="CCCCCC"/>
+                </a:solidFill>
+                <a:effectLst/>
+                <a:latin typeface="Consolas" panose="020B0609020204030204" pitchFamily="49" charset="0"/>
+              </a:rPr>
+              <a:t> </a:t>
+            </a:r>
+            <a:r>
+              <a:rPr lang="en-US" b="0" dirty="0">
+                <a:solidFill>
+                  <a:srgbClr val="F92672"/>
+                </a:solidFill>
+                <a:effectLst/>
+                <a:latin typeface="Consolas" panose="020B0609020204030204" pitchFamily="49" charset="0"/>
+              </a:rPr>
+              <a:t>new</a:t>
+            </a:r>
+            <a:r>
+              <a:rPr lang="en-US" b="0" dirty="0">
+                <a:solidFill>
+                  <a:srgbClr val="CCCCCC"/>
+                </a:solidFill>
+                <a:effectLst/>
+                <a:latin typeface="Consolas" panose="020B0609020204030204" pitchFamily="49" charset="0"/>
+              </a:rPr>
+              <a:t> </a:t>
+            </a:r>
+            <a:r>
+              <a:rPr lang="en-US" b="0" dirty="0">
+                <a:solidFill>
+                  <a:srgbClr val="2BE98A"/>
+                </a:solidFill>
+                <a:effectLst/>
+                <a:latin typeface="Consolas" panose="020B0609020204030204" pitchFamily="49" charset="0"/>
+              </a:rPr>
+              <a:t>Promise</a:t>
+            </a:r>
+            <a:r>
+              <a:rPr lang="en-US" b="0" dirty="0">
+                <a:solidFill>
+                  <a:srgbClr val="CCCCCC"/>
+                </a:solidFill>
+                <a:effectLst/>
+                <a:latin typeface="Consolas" panose="020B0609020204030204" pitchFamily="49" charset="0"/>
+              </a:rPr>
+              <a:t>((resolve</a:t>
+            </a:r>
+            <a:r>
+              <a:rPr lang="en-US" b="0" dirty="0">
+                <a:solidFill>
+                  <a:srgbClr val="F92672"/>
+                </a:solidFill>
+                <a:effectLst/>
+                <a:latin typeface="Consolas" panose="020B0609020204030204" pitchFamily="49" charset="0"/>
+              </a:rPr>
+              <a:t>,</a:t>
+            </a:r>
+            <a:r>
+              <a:rPr lang="en-US" b="0" dirty="0">
+                <a:solidFill>
+                  <a:srgbClr val="CCCCCC"/>
+                </a:solidFill>
+                <a:effectLst/>
+                <a:latin typeface="Consolas" panose="020B0609020204030204" pitchFamily="49" charset="0"/>
+              </a:rPr>
+              <a:t> reject) </a:t>
+            </a:r>
+            <a:r>
+              <a:rPr lang="en-US" b="0" dirty="0">
+                <a:solidFill>
+                  <a:srgbClr val="F92672"/>
+                </a:solidFill>
+                <a:effectLst/>
+                <a:latin typeface="Consolas" panose="020B0609020204030204" pitchFamily="49" charset="0"/>
+              </a:rPr>
+              <a:t>=&gt;</a:t>
+            </a:r>
+            <a:r>
+              <a:rPr lang="en-US" b="0" dirty="0">
+                <a:solidFill>
+                  <a:srgbClr val="CCCCCC"/>
+                </a:solidFill>
+                <a:effectLst/>
+                <a:latin typeface="Consolas" panose="020B0609020204030204" pitchFamily="49" charset="0"/>
+              </a:rPr>
+              <a:t> {</a:t>
+            </a:r>
+          </a:p>
+          <a:p>
+            <a:pPr marL="0" indent="0">
+              <a:buNone/>
+            </a:pPr>
+            <a:r>
+              <a:rPr lang="en-US" b="0" dirty="0">
+                <a:solidFill>
+                  <a:srgbClr val="CCCCCC"/>
+                </a:solidFill>
+                <a:effectLst/>
+                <a:latin typeface="Consolas" panose="020B0609020204030204" pitchFamily="49" charset="0"/>
+              </a:rPr>
+              <a:t>    </a:t>
+            </a:r>
+            <a:r>
+              <a:rPr lang="en-US" b="0" dirty="0">
+                <a:solidFill>
+                  <a:srgbClr val="F92672"/>
+                </a:solidFill>
+                <a:effectLst/>
+                <a:latin typeface="Consolas" panose="020B0609020204030204" pitchFamily="49" charset="0"/>
+              </a:rPr>
+              <a:t>if</a:t>
+            </a:r>
+            <a:r>
+              <a:rPr lang="en-US" b="0" dirty="0">
+                <a:solidFill>
+                  <a:srgbClr val="CCCCCC"/>
+                </a:solidFill>
+                <a:effectLst/>
+                <a:latin typeface="Consolas" panose="020B0609020204030204" pitchFamily="49" charset="0"/>
+              </a:rPr>
+              <a:t> (done) {</a:t>
+            </a:r>
+          </a:p>
+          <a:p>
+            <a:pPr marL="0" indent="0">
+              <a:buNone/>
+            </a:pPr>
+            <a:r>
+              <a:rPr lang="en-US" b="0" dirty="0">
+                <a:solidFill>
+                  <a:srgbClr val="CCCCCC"/>
+                </a:solidFill>
+                <a:effectLst/>
+                <a:latin typeface="Consolas" panose="020B0609020204030204" pitchFamily="49" charset="0"/>
+              </a:rPr>
+              <a:t>        </a:t>
+            </a:r>
+            <a:r>
+              <a:rPr lang="en-US" b="0" dirty="0">
+                <a:solidFill>
+                  <a:srgbClr val="49E0FD"/>
+                </a:solidFill>
+                <a:effectLst/>
+                <a:latin typeface="Consolas" panose="020B0609020204030204" pitchFamily="49" charset="0"/>
+              </a:rPr>
+              <a:t>const</a:t>
+            </a:r>
+            <a:r>
+              <a:rPr lang="en-US" b="0" dirty="0">
+                <a:solidFill>
+                  <a:srgbClr val="CCCCCC"/>
+                </a:solidFill>
+                <a:effectLst/>
+                <a:latin typeface="Consolas" panose="020B0609020204030204" pitchFamily="49" charset="0"/>
+              </a:rPr>
+              <a:t> </a:t>
+            </a:r>
+            <a:r>
+              <a:rPr lang="en-US" b="0" dirty="0" err="1">
+                <a:solidFill>
+                  <a:srgbClr val="CCCCCC"/>
+                </a:solidFill>
+                <a:effectLst/>
+                <a:latin typeface="Consolas" panose="020B0609020204030204" pitchFamily="49" charset="0"/>
+              </a:rPr>
+              <a:t>workDone</a:t>
+            </a:r>
+            <a:r>
+              <a:rPr lang="en-US" b="0" dirty="0">
+                <a:solidFill>
+                  <a:srgbClr val="CCCCCC"/>
+                </a:solidFill>
+                <a:effectLst/>
+                <a:latin typeface="Consolas" panose="020B0609020204030204" pitchFamily="49" charset="0"/>
+              </a:rPr>
+              <a:t> </a:t>
+            </a:r>
+            <a:r>
+              <a:rPr lang="en-US" b="0" dirty="0">
+                <a:solidFill>
+                  <a:srgbClr val="F92672"/>
+                </a:solidFill>
+                <a:effectLst/>
+                <a:latin typeface="Consolas" panose="020B0609020204030204" pitchFamily="49" charset="0"/>
+              </a:rPr>
+              <a:t>=</a:t>
+            </a:r>
+            <a:r>
+              <a:rPr lang="en-US" b="0" dirty="0">
+                <a:solidFill>
+                  <a:srgbClr val="CCCCCC"/>
+                </a:solidFill>
+                <a:effectLst/>
+                <a:latin typeface="Consolas" panose="020B0609020204030204" pitchFamily="49" charset="0"/>
+              </a:rPr>
+              <a:t> </a:t>
+            </a:r>
+            <a:r>
+              <a:rPr lang="en-US" b="0" dirty="0">
+                <a:solidFill>
+                  <a:srgbClr val="E6DB74"/>
+                </a:solidFill>
+                <a:effectLst/>
+                <a:latin typeface="Consolas" panose="020B0609020204030204" pitchFamily="49" charset="0"/>
+              </a:rPr>
+              <a:t>'Here is the thing I built’;</a:t>
+            </a:r>
+            <a:endParaRPr lang="en-US" b="0" dirty="0">
+              <a:solidFill>
+                <a:srgbClr val="CCCCCC"/>
+              </a:solidFill>
+              <a:effectLst/>
+              <a:latin typeface="Consolas" panose="020B0609020204030204" pitchFamily="49" charset="0"/>
+            </a:endParaRPr>
+          </a:p>
+          <a:p>
+            <a:pPr marL="0" indent="0">
+              <a:buNone/>
+            </a:pPr>
+            <a:r>
+              <a:rPr lang="en-US" b="0" dirty="0">
+                <a:solidFill>
+                  <a:srgbClr val="CCCCCC"/>
+                </a:solidFill>
+                <a:effectLst/>
+                <a:latin typeface="Consolas" panose="020B0609020204030204" pitchFamily="49" charset="0"/>
+              </a:rPr>
+              <a:t>        </a:t>
+            </a:r>
+            <a:r>
+              <a:rPr lang="en-US" b="0" dirty="0">
+                <a:solidFill>
+                  <a:srgbClr val="B0EC38"/>
+                </a:solidFill>
+                <a:effectLst/>
+                <a:latin typeface="Consolas" panose="020B0609020204030204" pitchFamily="49" charset="0"/>
+              </a:rPr>
+              <a:t>resolve</a:t>
+            </a:r>
+            <a:r>
+              <a:rPr lang="en-US" b="0" dirty="0">
+                <a:solidFill>
+                  <a:srgbClr val="CCCCCC"/>
+                </a:solidFill>
+                <a:effectLst/>
+                <a:latin typeface="Consolas" panose="020B0609020204030204" pitchFamily="49" charset="0"/>
+              </a:rPr>
+              <a:t>(</a:t>
+            </a:r>
+            <a:r>
+              <a:rPr lang="en-US" b="0" dirty="0" err="1">
+                <a:solidFill>
+                  <a:srgbClr val="CCCCCC"/>
+                </a:solidFill>
+                <a:effectLst/>
+                <a:latin typeface="Consolas" panose="020B0609020204030204" pitchFamily="49" charset="0"/>
+              </a:rPr>
+              <a:t>workDone</a:t>
+            </a:r>
+            <a:r>
+              <a:rPr lang="en-US" b="0" dirty="0">
+                <a:solidFill>
+                  <a:srgbClr val="CCCCCC"/>
+                </a:solidFill>
+                <a:effectLst/>
+                <a:latin typeface="Consolas" panose="020B0609020204030204" pitchFamily="49" charset="0"/>
+              </a:rPr>
+              <a:t>);</a:t>
+            </a:r>
+          </a:p>
+          <a:p>
+            <a:pPr marL="0" indent="0">
+              <a:buNone/>
+            </a:pPr>
+            <a:r>
+              <a:rPr lang="en-US" b="0" dirty="0">
+                <a:solidFill>
+                  <a:srgbClr val="CCCCCC"/>
+                </a:solidFill>
+                <a:effectLst/>
+                <a:latin typeface="Consolas" panose="020B0609020204030204" pitchFamily="49" charset="0"/>
+              </a:rPr>
+              <a:t>    } </a:t>
+            </a:r>
+            <a:r>
+              <a:rPr lang="en-US" b="0" dirty="0">
+                <a:solidFill>
+                  <a:srgbClr val="F92672"/>
+                </a:solidFill>
+                <a:effectLst/>
+                <a:latin typeface="Consolas" panose="020B0609020204030204" pitchFamily="49" charset="0"/>
+              </a:rPr>
+              <a:t>else</a:t>
+            </a:r>
+            <a:r>
+              <a:rPr lang="en-US" b="0" dirty="0">
+                <a:solidFill>
+                  <a:srgbClr val="CCCCCC"/>
+                </a:solidFill>
+                <a:effectLst/>
+                <a:latin typeface="Consolas" panose="020B0609020204030204" pitchFamily="49" charset="0"/>
+              </a:rPr>
+              <a:t> {</a:t>
+            </a:r>
+          </a:p>
+          <a:p>
+            <a:pPr marL="0" indent="0">
+              <a:buNone/>
+            </a:pPr>
+            <a:r>
+              <a:rPr lang="en-US" b="0" dirty="0">
+                <a:solidFill>
+                  <a:srgbClr val="CCCCCC"/>
+                </a:solidFill>
+                <a:effectLst/>
+                <a:latin typeface="Consolas" panose="020B0609020204030204" pitchFamily="49" charset="0"/>
+              </a:rPr>
+              <a:t>        </a:t>
+            </a:r>
+            <a:r>
+              <a:rPr lang="en-US" b="0" dirty="0">
+                <a:solidFill>
+                  <a:srgbClr val="49E0FD"/>
+                </a:solidFill>
+                <a:effectLst/>
+                <a:latin typeface="Consolas" panose="020B0609020204030204" pitchFamily="49" charset="0"/>
+              </a:rPr>
+              <a:t>const</a:t>
+            </a:r>
+            <a:r>
+              <a:rPr lang="en-US" b="0" dirty="0">
+                <a:solidFill>
+                  <a:srgbClr val="CCCCCC"/>
+                </a:solidFill>
+                <a:effectLst/>
+                <a:latin typeface="Consolas" panose="020B0609020204030204" pitchFamily="49" charset="0"/>
+              </a:rPr>
+              <a:t> why </a:t>
+            </a:r>
+            <a:r>
+              <a:rPr lang="en-US" b="0" dirty="0">
+                <a:solidFill>
+                  <a:srgbClr val="F92672"/>
+                </a:solidFill>
+                <a:effectLst/>
+                <a:latin typeface="Consolas" panose="020B0609020204030204" pitchFamily="49" charset="0"/>
+              </a:rPr>
+              <a:t>=</a:t>
+            </a:r>
+            <a:r>
+              <a:rPr lang="en-US" b="0" dirty="0">
+                <a:solidFill>
+                  <a:srgbClr val="CCCCCC"/>
+                </a:solidFill>
+                <a:effectLst/>
+                <a:latin typeface="Consolas" panose="020B0609020204030204" pitchFamily="49" charset="0"/>
+              </a:rPr>
+              <a:t> </a:t>
+            </a:r>
+            <a:r>
+              <a:rPr lang="en-US" b="0" dirty="0">
+                <a:solidFill>
+                  <a:srgbClr val="E6DB74"/>
+                </a:solidFill>
+                <a:effectLst/>
+                <a:latin typeface="Consolas" panose="020B0609020204030204" pitchFamily="49" charset="0"/>
+              </a:rPr>
+              <a:t>'Still working on something else’;</a:t>
+            </a:r>
+            <a:endParaRPr lang="en-US" b="0" dirty="0">
+              <a:solidFill>
+                <a:srgbClr val="CCCCCC"/>
+              </a:solidFill>
+              <a:effectLst/>
+              <a:latin typeface="Consolas" panose="020B0609020204030204" pitchFamily="49" charset="0"/>
+            </a:endParaRPr>
+          </a:p>
+          <a:p>
+            <a:pPr marL="0" indent="0">
+              <a:buNone/>
+            </a:pPr>
+            <a:r>
+              <a:rPr lang="en-US" b="0" dirty="0">
+                <a:solidFill>
+                  <a:srgbClr val="CCCCCC"/>
+                </a:solidFill>
+                <a:effectLst/>
+                <a:latin typeface="Consolas" panose="020B0609020204030204" pitchFamily="49" charset="0"/>
+              </a:rPr>
+              <a:t>        </a:t>
+            </a:r>
+            <a:r>
+              <a:rPr lang="en-US" b="0" dirty="0">
+                <a:solidFill>
+                  <a:srgbClr val="B0EC38"/>
+                </a:solidFill>
+                <a:effectLst/>
+                <a:latin typeface="Consolas" panose="020B0609020204030204" pitchFamily="49" charset="0"/>
+              </a:rPr>
+              <a:t>reject</a:t>
+            </a:r>
+            <a:r>
+              <a:rPr lang="en-US" b="0" dirty="0">
+                <a:solidFill>
+                  <a:srgbClr val="CCCCCC"/>
+                </a:solidFill>
+                <a:effectLst/>
+                <a:latin typeface="Consolas" panose="020B0609020204030204" pitchFamily="49" charset="0"/>
+              </a:rPr>
+              <a:t>(why);</a:t>
+            </a:r>
+          </a:p>
+          <a:p>
+            <a:pPr marL="0" indent="0">
+              <a:buNone/>
+            </a:pPr>
+            <a:r>
+              <a:rPr lang="en-US" b="0" dirty="0">
+                <a:solidFill>
+                  <a:srgbClr val="CCCCCC"/>
+                </a:solidFill>
+                <a:effectLst/>
+                <a:latin typeface="Consolas" panose="020B0609020204030204" pitchFamily="49" charset="0"/>
+              </a:rPr>
+              <a:t>    }</a:t>
+            </a:r>
+          </a:p>
+          <a:p>
+            <a:pPr marL="0" indent="0">
+              <a:buNone/>
+            </a:pPr>
+            <a:r>
+              <a:rPr lang="en-US" b="0" dirty="0">
+                <a:solidFill>
+                  <a:srgbClr val="CCCCCC"/>
+                </a:solidFill>
+                <a:effectLst/>
+                <a:latin typeface="Consolas" panose="020B0609020204030204" pitchFamily="49" charset="0"/>
+              </a:rPr>
+              <a:t>})</a:t>
+            </a:r>
+          </a:p>
+        </p:txBody>
+      </p:sp>
+      <p:sp>
+        <p:nvSpPr>
+          <p:cNvPr id="10" name="Content Placeholder 9">
             <a:extLst>
               <a:ext uri="{FF2B5EF4-FFF2-40B4-BE49-F238E27FC236}">
-                <a16:creationId xmlns:a16="http://schemas.microsoft.com/office/drawing/2014/main" id="{8364F9B0-DB9E-4AAE-AC13-45DFBEA8B4DC}"/>
+                <a16:creationId xmlns:a16="http://schemas.microsoft.com/office/drawing/2014/main" id="{76573A1E-14FE-49A2-A2F3-D28E55712231}"/>
               </a:ext>
             </a:extLst>
           </p:cNvPr>
@@ -8003,730 +10248,46 @@
             <a:spLocks noGrp="1"/>
           </p:cNvSpPr>
           <p:nvPr>
-            <p:ph sz="half" idx="1"/>
+            <p:ph sz="half" idx="2"/>
           </p:nvPr>
         </p:nvSpPr>
         <p:spPr/>
         <p:txBody>
           <a:bodyPr>
-            <a:noAutofit/>
+            <a:normAutofit fontScale="70000" lnSpcReduction="20000"/>
           </a:bodyPr>
           <a:lstStyle/>
           <a:p>
             <a:r>
-              <a:rPr lang="en-US" dirty="0"/>
-              <a:t>The </a:t>
-            </a:r>
-            <a:r>
-              <a:rPr lang="en-US" dirty="0">
-                <a:solidFill>
-                  <a:srgbClr val="92D050"/>
-                </a:solidFill>
-              </a:rPr>
-              <a:t>.then() </a:t>
-            </a:r>
-            <a:r>
-              <a:rPr lang="en-US" dirty="0"/>
-              <a:t>keeps track of successful promises and the </a:t>
-            </a:r>
-            <a:r>
-              <a:rPr lang="en-US" dirty="0">
-                <a:solidFill>
-                  <a:srgbClr val="92D050"/>
-                </a:solidFill>
-              </a:rPr>
-              <a:t>.catch() </a:t>
-            </a:r>
-            <a:r>
-              <a:rPr lang="en-US" dirty="0"/>
-              <a:t>methods track rejected ones</a:t>
-            </a:r>
-            <a:r>
-              <a:rPr lang="en-IN" dirty="0"/>
-              <a:t>- analogous to </a:t>
-            </a:r>
-            <a:r>
-              <a:rPr lang="en-IN" dirty="0">
-                <a:solidFill>
-                  <a:schemeClr val="accent5">
-                    <a:lumMod val="60000"/>
-                    <a:lumOff val="40000"/>
-                  </a:schemeClr>
-                </a:solidFill>
-              </a:rPr>
-              <a:t>try</a:t>
-            </a:r>
-            <a:r>
-              <a:rPr lang="en-IN" dirty="0"/>
-              <a:t> and </a:t>
-            </a:r>
-            <a:r>
-              <a:rPr lang="en-IN" dirty="0">
-                <a:solidFill>
-                  <a:schemeClr val="accent5">
-                    <a:lumMod val="60000"/>
-                    <a:lumOff val="40000"/>
-                  </a:schemeClr>
-                </a:solidFill>
-              </a:rPr>
-              <a:t>catch </a:t>
-            </a:r>
-            <a:r>
-              <a:rPr lang="en-IN" dirty="0"/>
-              <a:t>from the sync version</a:t>
-            </a:r>
-          </a:p>
-          <a:p>
-            <a:r>
-              <a:rPr lang="en-US" dirty="0"/>
-              <a:t>We can even have an array of promises </a:t>
-            </a:r>
-            <a:r>
-              <a:rPr lang="en-US" dirty="0" err="1"/>
-              <a:t>excecuted</a:t>
-            </a:r>
-            <a:r>
-              <a:rPr lang="en-US" dirty="0"/>
-              <a:t> using </a:t>
-            </a:r>
-            <a:r>
-              <a:rPr lang="en-US" dirty="0" err="1">
-                <a:solidFill>
-                  <a:srgbClr val="92D050"/>
-                </a:solidFill>
-              </a:rPr>
-              <a:t>Promises.all</a:t>
-            </a:r>
-            <a:r>
-              <a:rPr lang="en-US" dirty="0">
-                <a:solidFill>
-                  <a:srgbClr val="92D050"/>
-                </a:solidFill>
-              </a:rPr>
-              <a:t>() </a:t>
-            </a:r>
-            <a:br>
-              <a:rPr lang="en-US" dirty="0"/>
-            </a:br>
-            <a:r>
-              <a:rPr lang="en-US" dirty="0"/>
-              <a:t>(</a:t>
-            </a:r>
-            <a:r>
-              <a:rPr lang="en-US" b="0" i="0" dirty="0">
-                <a:effectLst/>
-                <a:latin typeface="Open Sans" panose="020B0606030504020204" pitchFamily="34" charset="0"/>
-              </a:rPr>
-              <a:t>execute something when they are all resolved.</a:t>
-            </a:r>
-            <a:r>
-              <a:rPr lang="en-US" dirty="0"/>
-              <a:t>)</a:t>
-            </a:r>
-          </a:p>
-          <a:p>
-            <a:r>
-              <a:rPr lang="en-US" dirty="0"/>
-              <a:t>Battery API, Fetch API, Service Workers are modern web API which use promises</a:t>
-            </a:r>
-          </a:p>
-        </p:txBody>
-      </p:sp>
-      <p:sp>
-        <p:nvSpPr>
-          <p:cNvPr id="5" name="Content Placeholder 4">
-            <a:extLst>
-              <a:ext uri="{FF2B5EF4-FFF2-40B4-BE49-F238E27FC236}">
-                <a16:creationId xmlns:a16="http://schemas.microsoft.com/office/drawing/2014/main" id="{C059A3F2-02A5-42E1-BDB3-A53B926A3704}"/>
-              </a:ext>
-            </a:extLst>
-          </p:cNvPr>
-          <p:cNvSpPr>
-            <a:spLocks noGrp="1"/>
-          </p:cNvSpPr>
-          <p:nvPr>
-            <p:ph sz="half" idx="2"/>
-          </p:nvPr>
-        </p:nvSpPr>
-        <p:spPr/>
-        <p:txBody>
-          <a:bodyPr>
-            <a:normAutofit fontScale="77500" lnSpcReduction="20000"/>
-          </a:bodyPr>
-          <a:lstStyle/>
-          <a:p>
-            <a:pPr marL="0" indent="0">
-              <a:buNone/>
-            </a:pPr>
-            <a:r>
-              <a:rPr lang="en-IN" b="0" dirty="0" err="1">
-                <a:solidFill>
-                  <a:srgbClr val="49E0FD"/>
-                </a:solidFill>
-                <a:effectLst/>
-                <a:latin typeface="Consolas" panose="020B0609020204030204" pitchFamily="49" charset="0"/>
-              </a:rPr>
-              <a:t>const</a:t>
-            </a:r>
-            <a:r>
-              <a:rPr lang="en-IN" b="0" dirty="0">
-                <a:solidFill>
-                  <a:srgbClr val="CCCCCC"/>
-                </a:solidFill>
-                <a:effectLst/>
-                <a:latin typeface="Consolas" panose="020B0609020204030204" pitchFamily="49" charset="0"/>
-              </a:rPr>
-              <a:t> </a:t>
-            </a:r>
-            <a:r>
-              <a:rPr lang="en-IN" b="0" dirty="0" err="1">
-                <a:solidFill>
-                  <a:srgbClr val="CCCCCC"/>
-                </a:solidFill>
-                <a:effectLst/>
-                <a:latin typeface="Consolas" panose="020B0609020204030204" pitchFamily="49" charset="0"/>
-              </a:rPr>
-              <a:t>isItDoneYet</a:t>
-            </a:r>
-            <a:r>
-              <a:rPr lang="en-IN" b="0" dirty="0">
-                <a:solidFill>
-                  <a:srgbClr val="CCCCCC"/>
-                </a:solidFill>
-                <a:effectLst/>
-                <a:latin typeface="Consolas" panose="020B0609020204030204" pitchFamily="49" charset="0"/>
-              </a:rPr>
-              <a:t> </a:t>
-            </a:r>
-            <a:r>
-              <a:rPr lang="en-IN" b="0" dirty="0">
-                <a:solidFill>
-                  <a:srgbClr val="F92672"/>
-                </a:solidFill>
-                <a:effectLst/>
-                <a:latin typeface="Consolas" panose="020B0609020204030204" pitchFamily="49" charset="0"/>
-              </a:rPr>
-              <a:t>=</a:t>
-            </a:r>
-            <a:r>
-              <a:rPr lang="en-IN" b="0" dirty="0">
-                <a:solidFill>
-                  <a:srgbClr val="CCCCCC"/>
-                </a:solidFill>
-                <a:effectLst/>
-                <a:latin typeface="Consolas" panose="020B0609020204030204" pitchFamily="49" charset="0"/>
-              </a:rPr>
-              <a:t> </a:t>
-            </a:r>
-            <a:r>
-              <a:rPr lang="en-IN" b="0" dirty="0">
-                <a:solidFill>
-                  <a:srgbClr val="F92672"/>
-                </a:solidFill>
-                <a:effectLst/>
-                <a:latin typeface="Consolas" panose="020B0609020204030204" pitchFamily="49" charset="0"/>
-              </a:rPr>
-              <a:t>new</a:t>
-            </a:r>
-            <a:r>
-              <a:rPr lang="en-IN" b="0" dirty="0">
-                <a:solidFill>
-                  <a:srgbClr val="CCCCCC"/>
-                </a:solidFill>
-                <a:effectLst/>
-                <a:latin typeface="Consolas" panose="020B0609020204030204" pitchFamily="49" charset="0"/>
-              </a:rPr>
-              <a:t> </a:t>
-            </a:r>
-            <a:r>
-              <a:rPr lang="en-IN" b="0" dirty="0">
-                <a:solidFill>
-                  <a:srgbClr val="2BE98A"/>
-                </a:solidFill>
-                <a:effectLst/>
-                <a:latin typeface="Consolas" panose="020B0609020204030204" pitchFamily="49" charset="0"/>
-              </a:rPr>
-              <a:t>Promise</a:t>
-            </a:r>
-            <a:r>
-              <a:rPr lang="en-IN" b="0" dirty="0">
-                <a:solidFill>
-                  <a:srgbClr val="CCCCCC"/>
-                </a:solidFill>
-                <a:effectLst/>
-                <a:latin typeface="Consolas" panose="020B0609020204030204" pitchFamily="49" charset="0"/>
-              </a:rPr>
-              <a:t>(</a:t>
-            </a:r>
-            <a:r>
-              <a:rPr lang="en-IN" b="0" dirty="0">
-                <a:solidFill>
-                  <a:srgbClr val="696D70"/>
-                </a:solidFill>
-                <a:effectLst/>
-                <a:latin typeface="Consolas" panose="020B0609020204030204" pitchFamily="49" charset="0"/>
-              </a:rPr>
-              <a:t>/* ... </a:t>
-            </a:r>
-            <a:r>
-              <a:rPr lang="en-IN" dirty="0" err="1">
-                <a:solidFill>
-                  <a:srgbClr val="696D70"/>
-                </a:solidFill>
-                <a:latin typeface="Consolas" panose="020B0609020204030204" pitchFamily="49" charset="0"/>
-              </a:rPr>
-              <a:t>Prev</a:t>
-            </a:r>
-            <a:r>
-              <a:rPr lang="en-IN" dirty="0">
-                <a:solidFill>
-                  <a:srgbClr val="696D70"/>
-                </a:solidFill>
-                <a:latin typeface="Consolas" panose="020B0609020204030204" pitchFamily="49" charset="0"/>
-              </a:rPr>
-              <a:t> slide</a:t>
-            </a:r>
-            <a:r>
-              <a:rPr lang="en-IN" b="0" dirty="0">
-                <a:solidFill>
-                  <a:srgbClr val="696D70"/>
-                </a:solidFill>
-                <a:effectLst/>
-                <a:latin typeface="Consolas" panose="020B0609020204030204" pitchFamily="49" charset="0"/>
-              </a:rPr>
-              <a:t> ... */</a:t>
-            </a:r>
-            <a:r>
-              <a:rPr lang="en-IN" b="0" dirty="0">
-                <a:solidFill>
-                  <a:srgbClr val="CCCCCC"/>
-                </a:solidFill>
-                <a:effectLst/>
-                <a:latin typeface="Consolas" panose="020B0609020204030204" pitchFamily="49" charset="0"/>
-              </a:rPr>
-              <a:t>)</a:t>
-            </a:r>
-          </a:p>
-          <a:p>
-            <a:pPr marL="0" indent="0">
-              <a:buNone/>
-            </a:pPr>
-            <a:r>
-              <a:rPr lang="en-IN" b="0" dirty="0">
-                <a:solidFill>
-                  <a:srgbClr val="696D70"/>
-                </a:solidFill>
-                <a:effectLst/>
-                <a:latin typeface="Consolas" panose="020B0609020204030204" pitchFamily="49" charset="0"/>
-              </a:rPr>
-              <a:t>//...</a:t>
-            </a:r>
-            <a:br>
-              <a:rPr lang="en-IN" b="0" dirty="0">
-                <a:solidFill>
-                  <a:srgbClr val="CCCCCC"/>
-                </a:solidFill>
-                <a:effectLst/>
-                <a:latin typeface="Consolas" panose="020B0609020204030204" pitchFamily="49" charset="0"/>
-              </a:rPr>
-            </a:br>
-            <a:r>
-              <a:rPr lang="en-IN" b="0" dirty="0" err="1">
-                <a:solidFill>
-                  <a:srgbClr val="49E0FD"/>
-                </a:solidFill>
-                <a:effectLst/>
-                <a:latin typeface="Consolas" panose="020B0609020204030204" pitchFamily="49" charset="0"/>
-              </a:rPr>
-              <a:t>const</a:t>
-            </a:r>
-            <a:r>
-              <a:rPr lang="en-IN" b="0" dirty="0">
-                <a:solidFill>
-                  <a:srgbClr val="CCCCCC"/>
-                </a:solidFill>
-                <a:effectLst/>
-                <a:latin typeface="Consolas" panose="020B0609020204030204" pitchFamily="49" charset="0"/>
-              </a:rPr>
-              <a:t> </a:t>
-            </a:r>
-            <a:r>
-              <a:rPr lang="en-IN" b="0" dirty="0" err="1">
-                <a:solidFill>
-                  <a:srgbClr val="B0EC38"/>
-                </a:solidFill>
-                <a:effectLst/>
-                <a:latin typeface="Consolas" panose="020B0609020204030204" pitchFamily="49" charset="0"/>
-              </a:rPr>
-              <a:t>checkIfItsDone</a:t>
-            </a:r>
-            <a:r>
-              <a:rPr lang="en-IN" b="0" dirty="0">
-                <a:solidFill>
-                  <a:srgbClr val="CCCCCC"/>
-                </a:solidFill>
-                <a:effectLst/>
-                <a:latin typeface="Consolas" panose="020B0609020204030204" pitchFamily="49" charset="0"/>
-              </a:rPr>
-              <a:t> </a:t>
-            </a:r>
-            <a:r>
-              <a:rPr lang="en-IN" b="0" dirty="0">
-                <a:solidFill>
-                  <a:srgbClr val="F92672"/>
-                </a:solidFill>
-                <a:effectLst/>
-                <a:latin typeface="Consolas" panose="020B0609020204030204" pitchFamily="49" charset="0"/>
-              </a:rPr>
-              <a:t>=</a:t>
-            </a:r>
-            <a:r>
-              <a:rPr lang="en-IN" b="0" dirty="0">
-                <a:solidFill>
-                  <a:srgbClr val="CCCCCC"/>
-                </a:solidFill>
-                <a:effectLst/>
-                <a:latin typeface="Consolas" panose="020B0609020204030204" pitchFamily="49" charset="0"/>
-              </a:rPr>
-              <a:t> () </a:t>
-            </a:r>
-            <a:r>
-              <a:rPr lang="en-IN" b="0" dirty="0">
-                <a:solidFill>
-                  <a:srgbClr val="F92672"/>
-                </a:solidFill>
-                <a:effectLst/>
-                <a:latin typeface="Consolas" panose="020B0609020204030204" pitchFamily="49" charset="0"/>
-              </a:rPr>
-              <a:t>=&gt;</a:t>
-            </a:r>
-            <a:r>
-              <a:rPr lang="en-IN" b="0" dirty="0">
-                <a:solidFill>
-                  <a:srgbClr val="CCCCCC"/>
-                </a:solidFill>
-                <a:effectLst/>
-                <a:latin typeface="Consolas" panose="020B0609020204030204" pitchFamily="49" charset="0"/>
-              </a:rPr>
-              <a:t> {</a:t>
-            </a:r>
-          </a:p>
-          <a:p>
-            <a:pPr marL="0" indent="0">
-              <a:buNone/>
-            </a:pPr>
-            <a:r>
-              <a:rPr lang="en-IN" b="0" dirty="0">
-                <a:solidFill>
-                  <a:srgbClr val="CCCCCC"/>
-                </a:solidFill>
-                <a:effectLst/>
-                <a:latin typeface="Consolas" panose="020B0609020204030204" pitchFamily="49" charset="0"/>
-              </a:rPr>
-              <a:t>    </a:t>
-            </a:r>
-            <a:r>
-              <a:rPr lang="en-IN" b="0" dirty="0" err="1">
-                <a:solidFill>
-                  <a:srgbClr val="CCCCCC"/>
-                </a:solidFill>
-                <a:effectLst/>
-                <a:latin typeface="Consolas" panose="020B0609020204030204" pitchFamily="49" charset="0"/>
-              </a:rPr>
-              <a:t>isItDoneYet</a:t>
-            </a:r>
-            <a:endParaRPr lang="en-IN" b="0" dirty="0">
-              <a:solidFill>
-                <a:srgbClr val="CCCCCC"/>
-              </a:solidFill>
-              <a:effectLst/>
-              <a:latin typeface="Consolas" panose="020B0609020204030204" pitchFamily="49" charset="0"/>
-            </a:endParaRPr>
-          </a:p>
-          <a:p>
-            <a:pPr marL="0" indent="0">
-              <a:buNone/>
-            </a:pPr>
-            <a:r>
-              <a:rPr lang="en-IN" b="0" dirty="0">
-                <a:solidFill>
-                  <a:srgbClr val="CCCCCC"/>
-                </a:solidFill>
-                <a:effectLst/>
-                <a:latin typeface="Consolas" panose="020B0609020204030204" pitchFamily="49" charset="0"/>
-              </a:rPr>
-              <a:t>    </a:t>
-            </a:r>
-            <a:r>
-              <a:rPr lang="en-IN" b="0" dirty="0">
-                <a:solidFill>
-                  <a:srgbClr val="F92672"/>
-                </a:solidFill>
-                <a:effectLst/>
-                <a:latin typeface="Consolas" panose="020B0609020204030204" pitchFamily="49" charset="0"/>
-              </a:rPr>
-              <a:t>.</a:t>
-            </a:r>
-            <a:r>
-              <a:rPr lang="en-IN" b="0" dirty="0">
-                <a:solidFill>
-                  <a:srgbClr val="B0EC38"/>
-                </a:solidFill>
-                <a:effectLst/>
-                <a:latin typeface="Consolas" panose="020B0609020204030204" pitchFamily="49" charset="0"/>
-              </a:rPr>
-              <a:t>then</a:t>
-            </a:r>
-            <a:r>
-              <a:rPr lang="en-IN" b="0" dirty="0">
-                <a:solidFill>
-                  <a:srgbClr val="CCCCCC"/>
-                </a:solidFill>
-                <a:effectLst/>
-                <a:latin typeface="Consolas" panose="020B0609020204030204" pitchFamily="49" charset="0"/>
-              </a:rPr>
-              <a:t>(ok </a:t>
-            </a:r>
-            <a:r>
-              <a:rPr lang="en-IN" b="0" dirty="0">
-                <a:solidFill>
-                  <a:srgbClr val="F92672"/>
-                </a:solidFill>
-                <a:effectLst/>
-                <a:latin typeface="Consolas" panose="020B0609020204030204" pitchFamily="49" charset="0"/>
-              </a:rPr>
-              <a:t>=&gt;</a:t>
-            </a:r>
-            <a:r>
-              <a:rPr lang="en-IN" b="0" dirty="0">
-                <a:solidFill>
-                  <a:srgbClr val="CCCCCC"/>
-                </a:solidFill>
-                <a:effectLst/>
-                <a:latin typeface="Consolas" panose="020B0609020204030204" pitchFamily="49" charset="0"/>
-              </a:rPr>
-              <a:t> {</a:t>
-            </a:r>
-          </a:p>
-          <a:p>
-            <a:pPr marL="0" indent="0">
-              <a:buNone/>
-            </a:pPr>
-            <a:r>
-              <a:rPr lang="en-IN" b="0" dirty="0">
-                <a:solidFill>
-                  <a:srgbClr val="CCCCCC"/>
-                </a:solidFill>
-                <a:effectLst/>
-                <a:latin typeface="Consolas" panose="020B0609020204030204" pitchFamily="49" charset="0"/>
-              </a:rPr>
-              <a:t>      console</a:t>
-            </a:r>
-            <a:r>
-              <a:rPr lang="en-IN" b="0" dirty="0">
-                <a:solidFill>
-                  <a:srgbClr val="F92672"/>
-                </a:solidFill>
-                <a:effectLst/>
-                <a:latin typeface="Consolas" panose="020B0609020204030204" pitchFamily="49" charset="0"/>
-              </a:rPr>
-              <a:t>.</a:t>
-            </a:r>
-            <a:r>
-              <a:rPr lang="en-IN" b="0" dirty="0">
-                <a:solidFill>
-                  <a:srgbClr val="B0EC38"/>
-                </a:solidFill>
-                <a:effectLst/>
-                <a:latin typeface="Consolas" panose="020B0609020204030204" pitchFamily="49" charset="0"/>
-              </a:rPr>
-              <a:t>log</a:t>
-            </a:r>
-            <a:r>
-              <a:rPr lang="en-IN" b="0" dirty="0">
-                <a:solidFill>
-                  <a:srgbClr val="CCCCCC"/>
-                </a:solidFill>
-                <a:effectLst/>
-                <a:latin typeface="Consolas" panose="020B0609020204030204" pitchFamily="49" charset="0"/>
-              </a:rPr>
-              <a:t>(ok)</a:t>
-            </a:r>
-          </a:p>
-          <a:p>
-            <a:pPr marL="0" indent="0">
-              <a:buNone/>
-            </a:pPr>
-            <a:r>
-              <a:rPr lang="en-IN" b="0" dirty="0">
-                <a:solidFill>
-                  <a:srgbClr val="CCCCCC"/>
-                </a:solidFill>
-                <a:effectLst/>
-                <a:latin typeface="Consolas" panose="020B0609020204030204" pitchFamily="49" charset="0"/>
-              </a:rPr>
-              <a:t>    })</a:t>
-            </a:r>
-          </a:p>
-          <a:p>
-            <a:pPr marL="0" indent="0">
-              <a:buNone/>
-            </a:pPr>
-            <a:r>
-              <a:rPr lang="en-IN" b="0" dirty="0">
-                <a:solidFill>
-                  <a:srgbClr val="CCCCCC"/>
-                </a:solidFill>
-                <a:effectLst/>
-                <a:latin typeface="Consolas" panose="020B0609020204030204" pitchFamily="49" charset="0"/>
-              </a:rPr>
-              <a:t>    </a:t>
-            </a:r>
-            <a:r>
-              <a:rPr lang="en-IN" b="0" dirty="0">
-                <a:solidFill>
-                  <a:srgbClr val="F92672"/>
-                </a:solidFill>
-                <a:effectLst/>
-                <a:latin typeface="Consolas" panose="020B0609020204030204" pitchFamily="49" charset="0"/>
-              </a:rPr>
-              <a:t>.</a:t>
-            </a:r>
-            <a:r>
-              <a:rPr lang="en-IN" b="0" dirty="0">
-                <a:solidFill>
-                  <a:srgbClr val="B0EC38"/>
-                </a:solidFill>
-                <a:effectLst/>
-                <a:latin typeface="Consolas" panose="020B0609020204030204" pitchFamily="49" charset="0"/>
-              </a:rPr>
-              <a:t>catch</a:t>
-            </a:r>
-            <a:r>
-              <a:rPr lang="en-IN" b="0" dirty="0">
-                <a:solidFill>
-                  <a:srgbClr val="CCCCCC"/>
-                </a:solidFill>
-                <a:effectLst/>
-                <a:latin typeface="Consolas" panose="020B0609020204030204" pitchFamily="49" charset="0"/>
-              </a:rPr>
-              <a:t>(err </a:t>
-            </a:r>
-            <a:r>
-              <a:rPr lang="en-IN" b="0" dirty="0">
-                <a:solidFill>
-                  <a:srgbClr val="F92672"/>
-                </a:solidFill>
-                <a:effectLst/>
-                <a:latin typeface="Consolas" panose="020B0609020204030204" pitchFamily="49" charset="0"/>
-              </a:rPr>
-              <a:t>=&gt;</a:t>
-            </a:r>
-            <a:r>
-              <a:rPr lang="en-IN" b="0" dirty="0">
-                <a:solidFill>
-                  <a:srgbClr val="CCCCCC"/>
-                </a:solidFill>
-                <a:effectLst/>
-                <a:latin typeface="Consolas" panose="020B0609020204030204" pitchFamily="49" charset="0"/>
-              </a:rPr>
-              <a:t> {</a:t>
-            </a:r>
-          </a:p>
-          <a:p>
-            <a:pPr marL="0" indent="0">
-              <a:buNone/>
-            </a:pPr>
-            <a:r>
-              <a:rPr lang="en-IN" b="0" dirty="0">
-                <a:solidFill>
-                  <a:srgbClr val="CCCCCC"/>
-                </a:solidFill>
-                <a:effectLst/>
-                <a:latin typeface="Consolas" panose="020B0609020204030204" pitchFamily="49" charset="0"/>
-              </a:rPr>
-              <a:t>      </a:t>
-            </a:r>
-            <a:r>
-              <a:rPr lang="en-IN" b="0" dirty="0" err="1">
-                <a:solidFill>
-                  <a:srgbClr val="CCCCCC"/>
-                </a:solidFill>
-                <a:effectLst/>
-                <a:latin typeface="Consolas" panose="020B0609020204030204" pitchFamily="49" charset="0"/>
-              </a:rPr>
-              <a:t>console</a:t>
-            </a:r>
-            <a:r>
-              <a:rPr lang="en-IN" b="0" dirty="0" err="1">
-                <a:solidFill>
-                  <a:srgbClr val="F92672"/>
-                </a:solidFill>
-                <a:effectLst/>
-                <a:latin typeface="Consolas" panose="020B0609020204030204" pitchFamily="49" charset="0"/>
-              </a:rPr>
-              <a:t>.</a:t>
-            </a:r>
-            <a:r>
-              <a:rPr lang="en-IN" b="0" dirty="0" err="1">
-                <a:solidFill>
-                  <a:srgbClr val="B0EC38"/>
-                </a:solidFill>
-                <a:effectLst/>
-                <a:latin typeface="Consolas" panose="020B0609020204030204" pitchFamily="49" charset="0"/>
-              </a:rPr>
-              <a:t>error</a:t>
-            </a:r>
-            <a:r>
-              <a:rPr lang="en-IN" b="0" dirty="0">
-                <a:solidFill>
-                  <a:srgbClr val="CCCCCC"/>
-                </a:solidFill>
-                <a:effectLst/>
-                <a:latin typeface="Consolas" panose="020B0609020204030204" pitchFamily="49" charset="0"/>
-              </a:rPr>
-              <a:t>(err)</a:t>
-            </a:r>
-          </a:p>
-          <a:p>
-            <a:pPr marL="0" indent="0">
-              <a:buNone/>
-            </a:pPr>
-            <a:r>
-              <a:rPr lang="en-IN" b="0" dirty="0">
-                <a:solidFill>
-                  <a:srgbClr val="CCCCCC"/>
-                </a:solidFill>
-                <a:effectLst/>
-                <a:latin typeface="Consolas" panose="020B0609020204030204" pitchFamily="49" charset="0"/>
-              </a:rPr>
-              <a:t>    })</a:t>
-            </a:r>
-          </a:p>
-          <a:p>
-            <a:pPr marL="0" indent="0">
-              <a:buNone/>
-            </a:pPr>
-            <a:r>
-              <a:rPr lang="en-IN" b="0" dirty="0">
-                <a:solidFill>
-                  <a:srgbClr val="CCCCCC"/>
-                </a:solidFill>
-                <a:effectLst/>
-                <a:latin typeface="Consolas" panose="020B0609020204030204" pitchFamily="49" charset="0"/>
-              </a:rPr>
-              <a:t>}</a:t>
-            </a:r>
-          </a:p>
-          <a:p>
-            <a:endParaRPr lang="en-IN" dirty="0"/>
+              <a:rPr lang="en-US" sz="2900" dirty="0"/>
+              <a:t>A promise can be compared to a proxy for a value that will eventually becomes available</a:t>
+            </a:r>
+          </a:p>
+          <a:p>
+            <a:r>
+              <a:rPr lang="en-US" sz="2900" dirty="0"/>
+              <a:t>Once a promise has been called, it will start in a pending state. This means that the calling function continues executing, while the promise is pending until it resolves, giving the calling function whatever data was being requested.</a:t>
+            </a:r>
+          </a:p>
+          <a:p>
+            <a:r>
+              <a:rPr lang="en-US" sz="2900" dirty="0"/>
+              <a:t>The created promise will eventually end in a resolved state, or in a rejected state, calling the respective callback functions (passed to then and catch) upon finishing.</a:t>
+            </a:r>
+          </a:p>
+          <a:p>
+            <a:r>
+              <a:rPr lang="en-US" sz="2900" dirty="0"/>
+              <a:t>Hence a substitute to callback</a:t>
+            </a:r>
+            <a:endParaRPr lang="en-IN" sz="2900" dirty="0"/>
           </a:p>
         </p:txBody>
       </p:sp>
     </p:spTree>
     <p:extLst>
       <p:ext uri="{BB962C8B-B14F-4D97-AF65-F5344CB8AC3E}">
-        <p14:creationId xmlns:p14="http://schemas.microsoft.com/office/powerpoint/2010/main" val="830762367"/>
+        <p14:creationId xmlns:p14="http://schemas.microsoft.com/office/powerpoint/2010/main" val="1475842300"/>
       </p:ext>
     </p:extLst>
   </p:cSld>
